--- a/SORTIR.pptx
+++ b/SORTIR.pptx
@@ -4,16 +4,25 @@
   <p:sldMasterIdLst>
     <p:sldMasterId id="2147483750" r:id="rId1"/>
   </p:sldMasterIdLst>
+  <p:notesMasterIdLst>
+    <p:notesMasterId r:id="rId14"/>
+  </p:notesMasterIdLst>
+  <p:handoutMasterIdLst>
+    <p:handoutMasterId r:id="rId15"/>
+  </p:handoutMasterIdLst>
   <p:sldIdLst>
     <p:sldId id="256" r:id="rId2"/>
     <p:sldId id="257" r:id="rId3"/>
-    <p:sldId id="258" r:id="rId4"/>
-    <p:sldId id="259" r:id="rId5"/>
-    <p:sldId id="260" r:id="rId6"/>
-    <p:sldId id="261" r:id="rId7"/>
-    <p:sldId id="262" r:id="rId8"/>
-    <p:sldId id="263" r:id="rId9"/>
-    <p:sldId id="264" r:id="rId10"/>
+    <p:sldId id="266" r:id="rId4"/>
+    <p:sldId id="258" r:id="rId5"/>
+    <p:sldId id="259" r:id="rId6"/>
+    <p:sldId id="260" r:id="rId7"/>
+    <p:sldId id="267" r:id="rId8"/>
+    <p:sldId id="261" r:id="rId9"/>
+    <p:sldId id="265" r:id="rId10"/>
+    <p:sldId id="262" r:id="rId11"/>
+    <p:sldId id="263" r:id="rId12"/>
+    <p:sldId id="264" r:id="rId13"/>
   </p:sldIdLst>
   <p:sldSz cx="12192000" cy="6858000"/>
   <p:notesSz cx="6858000" cy="9144000"/>
@@ -112,7 +121,781 @@
       </a:defRPr>
     </a:lvl9pPr>
   </p:defaultTextStyle>
+  <p:extLst>
+    <p:ext uri="{EFAFB233-063F-42B5-8137-9DF3F51BA10A}">
+      <p15:sldGuideLst xmlns:p15="http://schemas.microsoft.com/office/powerpoint/2012/main"/>
+    </p:ext>
+  </p:extLst>
 </p:presentation>
+</file>
+
+<file path=ppt/handoutMasters/handoutMaster1.xml><?xml version="1.0" encoding="utf-8"?>
+<p:handoutMaster xmlns:a="http://schemas.openxmlformats.org/drawingml/2006/main" xmlns:r="http://schemas.openxmlformats.org/officeDocument/2006/relationships" xmlns:p="http://schemas.openxmlformats.org/presentationml/2006/main">
+  <p:cSld>
+    <p:bg>
+      <p:bgRef idx="1001">
+        <a:schemeClr val="bg1"/>
+      </p:bgRef>
+    </p:bg>
+    <p:spTree>
+      <p:nvGrpSpPr>
+        <p:cNvPr id="1" name=""/>
+        <p:cNvGrpSpPr/>
+        <p:nvPr/>
+      </p:nvGrpSpPr>
+      <p:grpSpPr>
+        <a:xfrm>
+          <a:off x="0" y="0"/>
+          <a:ext cx="0" cy="0"/>
+          <a:chOff x="0" y="0"/>
+          <a:chExt cx="0" cy="0"/>
+        </a:xfrm>
+      </p:grpSpPr>
+      <p:sp>
+        <p:nvSpPr>
+          <p:cNvPr id="2" name="Espace réservé de l'en-tête 1"/>
+          <p:cNvSpPr>
+            <a:spLocks noGrp="1"/>
+          </p:cNvSpPr>
+          <p:nvPr>
+            <p:ph type="hdr" sz="quarter"/>
+          </p:nvPr>
+        </p:nvSpPr>
+        <p:spPr>
+          <a:xfrm>
+            <a:off x="0" y="0"/>
+            <a:ext cx="2971800" cy="458788"/>
+          </a:xfrm>
+          <a:prstGeom prst="rect">
+            <a:avLst/>
+          </a:prstGeom>
+        </p:spPr>
+        <p:txBody>
+          <a:bodyPr vert="horz" lIns="91440" tIns="45720" rIns="91440" bIns="45720" rtlCol="0"/>
+          <a:lstStyle>
+            <a:lvl1pPr algn="l">
+              <a:defRPr sz="1200"/>
+            </a:lvl1pPr>
+          </a:lstStyle>
+          <a:p>
+            <a:endParaRPr lang="fr-FR"/>
+          </a:p>
+        </p:txBody>
+      </p:sp>
+      <p:sp>
+        <p:nvSpPr>
+          <p:cNvPr id="3" name="Espace réservé de la date 2"/>
+          <p:cNvSpPr>
+            <a:spLocks noGrp="1"/>
+          </p:cNvSpPr>
+          <p:nvPr>
+            <p:ph type="dt" sz="quarter" idx="1"/>
+          </p:nvPr>
+        </p:nvSpPr>
+        <p:spPr>
+          <a:xfrm>
+            <a:off x="3884613" y="0"/>
+            <a:ext cx="2971800" cy="458788"/>
+          </a:xfrm>
+          <a:prstGeom prst="rect">
+            <a:avLst/>
+          </a:prstGeom>
+        </p:spPr>
+        <p:txBody>
+          <a:bodyPr vert="horz" lIns="91440" tIns="45720" rIns="91440" bIns="45720" rtlCol="0"/>
+          <a:lstStyle>
+            <a:lvl1pPr algn="r">
+              <a:defRPr sz="1200"/>
+            </a:lvl1pPr>
+          </a:lstStyle>
+          <a:p>
+            <a:fld id="{90FD22B9-FD8E-467F-A48B-CCDEB9D2B966}" type="datetimeFigureOut">
+              <a:rPr lang="fr-FR" smtClean="0"/>
+              <a:t>19/02/2021</a:t>
+            </a:fld>
+            <a:endParaRPr lang="fr-FR"/>
+          </a:p>
+        </p:txBody>
+      </p:sp>
+      <p:sp>
+        <p:nvSpPr>
+          <p:cNvPr id="4" name="Espace réservé du pied de page 3"/>
+          <p:cNvSpPr>
+            <a:spLocks noGrp="1"/>
+          </p:cNvSpPr>
+          <p:nvPr>
+            <p:ph type="ftr" sz="quarter" idx="2"/>
+          </p:nvPr>
+        </p:nvSpPr>
+        <p:spPr>
+          <a:xfrm>
+            <a:off x="0" y="8685213"/>
+            <a:ext cx="2971800" cy="458787"/>
+          </a:xfrm>
+          <a:prstGeom prst="rect">
+            <a:avLst/>
+          </a:prstGeom>
+        </p:spPr>
+        <p:txBody>
+          <a:bodyPr vert="horz" lIns="91440" tIns="45720" rIns="91440" bIns="45720" rtlCol="0" anchor="b"/>
+          <a:lstStyle>
+            <a:lvl1pPr algn="l">
+              <a:defRPr sz="1200"/>
+            </a:lvl1pPr>
+          </a:lstStyle>
+          <a:p>
+            <a:endParaRPr lang="fr-FR"/>
+          </a:p>
+        </p:txBody>
+      </p:sp>
+      <p:sp>
+        <p:nvSpPr>
+          <p:cNvPr id="5" name="Espace réservé du numéro de diapositive 4"/>
+          <p:cNvSpPr>
+            <a:spLocks noGrp="1"/>
+          </p:cNvSpPr>
+          <p:nvPr>
+            <p:ph type="sldNum" sz="quarter" idx="3"/>
+          </p:nvPr>
+        </p:nvSpPr>
+        <p:spPr>
+          <a:xfrm>
+            <a:off x="3884613" y="8685213"/>
+            <a:ext cx="2971800" cy="458787"/>
+          </a:xfrm>
+          <a:prstGeom prst="rect">
+            <a:avLst/>
+          </a:prstGeom>
+        </p:spPr>
+        <p:txBody>
+          <a:bodyPr vert="horz" lIns="91440" tIns="45720" rIns="91440" bIns="45720" rtlCol="0" anchor="b"/>
+          <a:lstStyle>
+            <a:lvl1pPr algn="r">
+              <a:defRPr sz="1200"/>
+            </a:lvl1pPr>
+          </a:lstStyle>
+          <a:p>
+            <a:fld id="{52B0395D-4226-453C-B64E-120102669F35}" type="slidenum">
+              <a:rPr lang="fr-FR" smtClean="0"/>
+              <a:t>‹N°›</a:t>
+            </a:fld>
+            <a:endParaRPr lang="fr-FR"/>
+          </a:p>
+        </p:txBody>
+      </p:sp>
+    </p:spTree>
+    <p:extLst>
+      <p:ext uri="{BB962C8B-B14F-4D97-AF65-F5344CB8AC3E}">
+        <p14:creationId xmlns:p14="http://schemas.microsoft.com/office/powerpoint/2010/main" val="1833184314"/>
+      </p:ext>
+    </p:extLst>
+  </p:cSld>
+  <p:clrMap bg1="lt1" tx1="dk1" bg2="lt2" tx2="dk2" accent1="accent1" accent2="accent2" accent3="accent3" accent4="accent4" accent5="accent5" accent6="accent6" hlink="hlink" folHlink="folHlink"/>
+  <p:hf hdr="0" ftr="0" dt="0"/>
+</p:handoutMaster>
+</file>
+
+<file path=ppt/notesMasters/notesMaster1.xml><?xml version="1.0" encoding="utf-8"?>
+<p:notesMaster xmlns:a="http://schemas.openxmlformats.org/drawingml/2006/main" xmlns:r="http://schemas.openxmlformats.org/officeDocument/2006/relationships" xmlns:p="http://schemas.openxmlformats.org/presentationml/2006/main">
+  <p:cSld>
+    <p:bg>
+      <p:bgRef idx="1001">
+        <a:schemeClr val="bg1"/>
+      </p:bgRef>
+    </p:bg>
+    <p:spTree>
+      <p:nvGrpSpPr>
+        <p:cNvPr id="1" name=""/>
+        <p:cNvGrpSpPr/>
+        <p:nvPr/>
+      </p:nvGrpSpPr>
+      <p:grpSpPr>
+        <a:xfrm>
+          <a:off x="0" y="0"/>
+          <a:ext cx="0" cy="0"/>
+          <a:chOff x="0" y="0"/>
+          <a:chExt cx="0" cy="0"/>
+        </a:xfrm>
+      </p:grpSpPr>
+      <p:sp>
+        <p:nvSpPr>
+          <p:cNvPr id="2" name="Espace réservé de l'en-tête 1"/>
+          <p:cNvSpPr>
+            <a:spLocks noGrp="1"/>
+          </p:cNvSpPr>
+          <p:nvPr>
+            <p:ph type="hdr" sz="quarter"/>
+          </p:nvPr>
+        </p:nvSpPr>
+        <p:spPr>
+          <a:xfrm>
+            <a:off x="0" y="0"/>
+            <a:ext cx="2971800" cy="458788"/>
+          </a:xfrm>
+          <a:prstGeom prst="rect">
+            <a:avLst/>
+          </a:prstGeom>
+        </p:spPr>
+        <p:txBody>
+          <a:bodyPr vert="horz" lIns="91440" tIns="45720" rIns="91440" bIns="45720" rtlCol="0"/>
+          <a:lstStyle>
+            <a:lvl1pPr algn="l">
+              <a:defRPr sz="1200"/>
+            </a:lvl1pPr>
+          </a:lstStyle>
+          <a:p>
+            <a:endParaRPr lang="fr-FR"/>
+          </a:p>
+        </p:txBody>
+      </p:sp>
+      <p:sp>
+        <p:nvSpPr>
+          <p:cNvPr id="3" name="Espace réservé de la date 2"/>
+          <p:cNvSpPr>
+            <a:spLocks noGrp="1"/>
+          </p:cNvSpPr>
+          <p:nvPr>
+            <p:ph type="dt" idx="1"/>
+          </p:nvPr>
+        </p:nvSpPr>
+        <p:spPr>
+          <a:xfrm>
+            <a:off x="3884613" y="0"/>
+            <a:ext cx="2971800" cy="458788"/>
+          </a:xfrm>
+          <a:prstGeom prst="rect">
+            <a:avLst/>
+          </a:prstGeom>
+        </p:spPr>
+        <p:txBody>
+          <a:bodyPr vert="horz" lIns="91440" tIns="45720" rIns="91440" bIns="45720" rtlCol="0"/>
+          <a:lstStyle>
+            <a:lvl1pPr algn="r">
+              <a:defRPr sz="1200"/>
+            </a:lvl1pPr>
+          </a:lstStyle>
+          <a:p>
+            <a:fld id="{9881746C-E0E7-4759-A10F-6828FAA04512}" type="datetimeFigureOut">
+              <a:rPr lang="fr-FR" smtClean="0"/>
+              <a:t>19/02/2021</a:t>
+            </a:fld>
+            <a:endParaRPr lang="fr-FR"/>
+          </a:p>
+        </p:txBody>
+      </p:sp>
+      <p:sp>
+        <p:nvSpPr>
+          <p:cNvPr id="4" name="Espace réservé de l'image des diapositives 3"/>
+          <p:cNvSpPr>
+            <a:spLocks noGrp="1" noRot="1" noChangeAspect="1"/>
+          </p:cNvSpPr>
+          <p:nvPr>
+            <p:ph type="sldImg" idx="2"/>
+          </p:nvPr>
+        </p:nvSpPr>
+        <p:spPr>
+          <a:xfrm>
+            <a:off x="685800" y="1143000"/>
+            <a:ext cx="5486400" cy="3086100"/>
+          </a:xfrm>
+          <a:prstGeom prst="rect">
+            <a:avLst/>
+          </a:prstGeom>
+          <a:noFill/>
+          <a:ln w="12700">
+            <a:solidFill>
+              <a:prstClr val="black"/>
+            </a:solidFill>
+          </a:ln>
+        </p:spPr>
+        <p:txBody>
+          <a:bodyPr vert="horz" lIns="91440" tIns="45720" rIns="91440" bIns="45720" rtlCol="0" anchor="ctr"/>
+          <a:lstStyle/>
+          <a:p>
+            <a:endParaRPr lang="fr-FR"/>
+          </a:p>
+        </p:txBody>
+      </p:sp>
+      <p:sp>
+        <p:nvSpPr>
+          <p:cNvPr id="5" name="Espace réservé des commentaires 4"/>
+          <p:cNvSpPr>
+            <a:spLocks noGrp="1"/>
+          </p:cNvSpPr>
+          <p:nvPr>
+            <p:ph type="body" sz="quarter" idx="3"/>
+          </p:nvPr>
+        </p:nvSpPr>
+        <p:spPr>
+          <a:xfrm>
+            <a:off x="685800" y="4400550"/>
+            <a:ext cx="5486400" cy="3600450"/>
+          </a:xfrm>
+          <a:prstGeom prst="rect">
+            <a:avLst/>
+          </a:prstGeom>
+        </p:spPr>
+        <p:txBody>
+          <a:bodyPr vert="horz" lIns="91440" tIns="45720" rIns="91440" bIns="45720" rtlCol="0"/>
+          <a:lstStyle/>
+          <a:p>
+            <a:pPr lvl="0"/>
+            <a:r>
+              <a:rPr lang="fr-FR" smtClean="0"/>
+              <a:t>Modifiez les styles du texte du masque</a:t>
+            </a:r>
+          </a:p>
+          <a:p>
+            <a:pPr lvl="1"/>
+            <a:r>
+              <a:rPr lang="fr-FR" smtClean="0"/>
+              <a:t>Deuxième niveau</a:t>
+            </a:r>
+          </a:p>
+          <a:p>
+            <a:pPr lvl="2"/>
+            <a:r>
+              <a:rPr lang="fr-FR" smtClean="0"/>
+              <a:t>Troisième niveau</a:t>
+            </a:r>
+          </a:p>
+          <a:p>
+            <a:pPr lvl="3"/>
+            <a:r>
+              <a:rPr lang="fr-FR" smtClean="0"/>
+              <a:t>Quatrième niveau</a:t>
+            </a:r>
+          </a:p>
+          <a:p>
+            <a:pPr lvl="4"/>
+            <a:r>
+              <a:rPr lang="fr-FR" smtClean="0"/>
+              <a:t>Cinquième niveau</a:t>
+            </a:r>
+            <a:endParaRPr lang="fr-FR"/>
+          </a:p>
+        </p:txBody>
+      </p:sp>
+      <p:sp>
+        <p:nvSpPr>
+          <p:cNvPr id="6" name="Espace réservé du pied de page 5"/>
+          <p:cNvSpPr>
+            <a:spLocks noGrp="1"/>
+          </p:cNvSpPr>
+          <p:nvPr>
+            <p:ph type="ftr" sz="quarter" idx="4"/>
+          </p:nvPr>
+        </p:nvSpPr>
+        <p:spPr>
+          <a:xfrm>
+            <a:off x="0" y="8685213"/>
+            <a:ext cx="2971800" cy="458787"/>
+          </a:xfrm>
+          <a:prstGeom prst="rect">
+            <a:avLst/>
+          </a:prstGeom>
+        </p:spPr>
+        <p:txBody>
+          <a:bodyPr vert="horz" lIns="91440" tIns="45720" rIns="91440" bIns="45720" rtlCol="0" anchor="b"/>
+          <a:lstStyle>
+            <a:lvl1pPr algn="l">
+              <a:defRPr sz="1200"/>
+            </a:lvl1pPr>
+          </a:lstStyle>
+          <a:p>
+            <a:endParaRPr lang="fr-FR"/>
+          </a:p>
+        </p:txBody>
+      </p:sp>
+      <p:sp>
+        <p:nvSpPr>
+          <p:cNvPr id="7" name="Espace réservé du numéro de diapositive 6"/>
+          <p:cNvSpPr>
+            <a:spLocks noGrp="1"/>
+          </p:cNvSpPr>
+          <p:nvPr>
+            <p:ph type="sldNum" sz="quarter" idx="5"/>
+          </p:nvPr>
+        </p:nvSpPr>
+        <p:spPr>
+          <a:xfrm>
+            <a:off x="3884613" y="8685213"/>
+            <a:ext cx="2971800" cy="458787"/>
+          </a:xfrm>
+          <a:prstGeom prst="rect">
+            <a:avLst/>
+          </a:prstGeom>
+        </p:spPr>
+        <p:txBody>
+          <a:bodyPr vert="horz" lIns="91440" tIns="45720" rIns="91440" bIns="45720" rtlCol="0" anchor="b"/>
+          <a:lstStyle>
+            <a:lvl1pPr algn="r">
+              <a:defRPr sz="1200"/>
+            </a:lvl1pPr>
+          </a:lstStyle>
+          <a:p>
+            <a:fld id="{D9DAF95E-790F-4285-A5C7-7098E1AFC6FD}" type="slidenum">
+              <a:rPr lang="fr-FR" smtClean="0"/>
+              <a:t>‹N°›</a:t>
+            </a:fld>
+            <a:endParaRPr lang="fr-FR"/>
+          </a:p>
+        </p:txBody>
+      </p:sp>
+    </p:spTree>
+    <p:extLst>
+      <p:ext uri="{BB962C8B-B14F-4D97-AF65-F5344CB8AC3E}">
+        <p14:creationId xmlns:p14="http://schemas.microsoft.com/office/powerpoint/2010/main" val="3836403664"/>
+      </p:ext>
+    </p:extLst>
+  </p:cSld>
+  <p:clrMap bg1="lt1" tx1="dk1" bg2="lt2" tx2="dk2" accent1="accent1" accent2="accent2" accent3="accent3" accent4="accent4" accent5="accent5" accent6="accent6" hlink="hlink" folHlink="folHlink"/>
+  <p:hf hdr="0" ftr="0" dt="0"/>
+  <p:notesStyle>
+    <a:lvl1pPr marL="0" algn="l" defTabSz="914400" rtl="0" eaLnBrk="1" latinLnBrk="0" hangingPunct="1">
+      <a:defRPr sz="1200" kern="1200">
+        <a:solidFill>
+          <a:schemeClr val="tx1"/>
+        </a:solidFill>
+        <a:latin typeface="+mn-lt"/>
+        <a:ea typeface="+mn-ea"/>
+        <a:cs typeface="+mn-cs"/>
+      </a:defRPr>
+    </a:lvl1pPr>
+    <a:lvl2pPr marL="457200" algn="l" defTabSz="914400" rtl="0" eaLnBrk="1" latinLnBrk="0" hangingPunct="1">
+      <a:defRPr sz="1200" kern="1200">
+        <a:solidFill>
+          <a:schemeClr val="tx1"/>
+        </a:solidFill>
+        <a:latin typeface="+mn-lt"/>
+        <a:ea typeface="+mn-ea"/>
+        <a:cs typeface="+mn-cs"/>
+      </a:defRPr>
+    </a:lvl2pPr>
+    <a:lvl3pPr marL="914400" algn="l" defTabSz="914400" rtl="0" eaLnBrk="1" latinLnBrk="0" hangingPunct="1">
+      <a:defRPr sz="1200" kern="1200">
+        <a:solidFill>
+          <a:schemeClr val="tx1"/>
+        </a:solidFill>
+        <a:latin typeface="+mn-lt"/>
+        <a:ea typeface="+mn-ea"/>
+        <a:cs typeface="+mn-cs"/>
+      </a:defRPr>
+    </a:lvl3pPr>
+    <a:lvl4pPr marL="1371600" algn="l" defTabSz="914400" rtl="0" eaLnBrk="1" latinLnBrk="0" hangingPunct="1">
+      <a:defRPr sz="1200" kern="1200">
+        <a:solidFill>
+          <a:schemeClr val="tx1"/>
+        </a:solidFill>
+        <a:latin typeface="+mn-lt"/>
+        <a:ea typeface="+mn-ea"/>
+        <a:cs typeface="+mn-cs"/>
+      </a:defRPr>
+    </a:lvl4pPr>
+    <a:lvl5pPr marL="1828800" algn="l" defTabSz="914400" rtl="0" eaLnBrk="1" latinLnBrk="0" hangingPunct="1">
+      <a:defRPr sz="1200" kern="1200">
+        <a:solidFill>
+          <a:schemeClr val="tx1"/>
+        </a:solidFill>
+        <a:latin typeface="+mn-lt"/>
+        <a:ea typeface="+mn-ea"/>
+        <a:cs typeface="+mn-cs"/>
+      </a:defRPr>
+    </a:lvl5pPr>
+    <a:lvl6pPr marL="2286000" algn="l" defTabSz="914400" rtl="0" eaLnBrk="1" latinLnBrk="0" hangingPunct="1">
+      <a:defRPr sz="1200" kern="1200">
+        <a:solidFill>
+          <a:schemeClr val="tx1"/>
+        </a:solidFill>
+        <a:latin typeface="+mn-lt"/>
+        <a:ea typeface="+mn-ea"/>
+        <a:cs typeface="+mn-cs"/>
+      </a:defRPr>
+    </a:lvl6pPr>
+    <a:lvl7pPr marL="2743200" algn="l" defTabSz="914400" rtl="0" eaLnBrk="1" latinLnBrk="0" hangingPunct="1">
+      <a:defRPr sz="1200" kern="1200">
+        <a:solidFill>
+          <a:schemeClr val="tx1"/>
+        </a:solidFill>
+        <a:latin typeface="+mn-lt"/>
+        <a:ea typeface="+mn-ea"/>
+        <a:cs typeface="+mn-cs"/>
+      </a:defRPr>
+    </a:lvl7pPr>
+    <a:lvl8pPr marL="3200400" algn="l" defTabSz="914400" rtl="0" eaLnBrk="1" latinLnBrk="0" hangingPunct="1">
+      <a:defRPr sz="1200" kern="1200">
+        <a:solidFill>
+          <a:schemeClr val="tx1"/>
+        </a:solidFill>
+        <a:latin typeface="+mn-lt"/>
+        <a:ea typeface="+mn-ea"/>
+        <a:cs typeface="+mn-cs"/>
+      </a:defRPr>
+    </a:lvl8pPr>
+    <a:lvl9pPr marL="3657600" algn="l" defTabSz="914400" rtl="0" eaLnBrk="1" latinLnBrk="0" hangingPunct="1">
+      <a:defRPr sz="1200" kern="1200">
+        <a:solidFill>
+          <a:schemeClr val="tx1"/>
+        </a:solidFill>
+        <a:latin typeface="+mn-lt"/>
+        <a:ea typeface="+mn-ea"/>
+        <a:cs typeface="+mn-cs"/>
+      </a:defRPr>
+    </a:lvl9pPr>
+  </p:notesStyle>
+</p:notesMaster>
+</file>
+
+<file path=ppt/notesSlides/notesSlide1.xml><?xml version="1.0" encoding="utf-8"?>
+<p:notes xmlns:a="http://schemas.openxmlformats.org/drawingml/2006/main" xmlns:r="http://schemas.openxmlformats.org/officeDocument/2006/relationships" xmlns:p="http://schemas.openxmlformats.org/presentationml/2006/main">
+  <p:cSld>
+    <p:spTree>
+      <p:nvGrpSpPr>
+        <p:cNvPr id="1" name=""/>
+        <p:cNvGrpSpPr/>
+        <p:nvPr/>
+      </p:nvGrpSpPr>
+      <p:grpSpPr>
+        <a:xfrm>
+          <a:off x="0" y="0"/>
+          <a:ext cx="0" cy="0"/>
+          <a:chOff x="0" y="0"/>
+          <a:chExt cx="0" cy="0"/>
+        </a:xfrm>
+      </p:grpSpPr>
+      <p:sp>
+        <p:nvSpPr>
+          <p:cNvPr id="2" name="Espace réservé de l'image des diapositives 1"/>
+          <p:cNvSpPr>
+            <a:spLocks noGrp="1" noRot="1" noChangeAspect="1"/>
+          </p:cNvSpPr>
+          <p:nvPr>
+            <p:ph type="sldImg"/>
+          </p:nvPr>
+        </p:nvSpPr>
+        <p:spPr/>
+      </p:sp>
+      <p:sp>
+        <p:nvSpPr>
+          <p:cNvPr id="3" name="Espace réservé des commentaires 2"/>
+          <p:cNvSpPr>
+            <a:spLocks noGrp="1"/>
+          </p:cNvSpPr>
+          <p:nvPr>
+            <p:ph type="body" idx="1"/>
+          </p:nvPr>
+        </p:nvSpPr>
+        <p:spPr/>
+        <p:txBody>
+          <a:bodyPr/>
+          <a:lstStyle/>
+          <a:p>
+            <a:endParaRPr lang="fr-FR"/>
+          </a:p>
+        </p:txBody>
+      </p:sp>
+      <p:sp>
+        <p:nvSpPr>
+          <p:cNvPr id="4" name="Espace réservé du numéro de diapositive 3"/>
+          <p:cNvSpPr>
+            <a:spLocks noGrp="1"/>
+          </p:cNvSpPr>
+          <p:nvPr>
+            <p:ph type="sldNum" sz="quarter" idx="10"/>
+          </p:nvPr>
+        </p:nvSpPr>
+        <p:spPr/>
+        <p:txBody>
+          <a:bodyPr/>
+          <a:lstStyle/>
+          <a:p>
+            <a:fld id="{D9DAF95E-790F-4285-A5C7-7098E1AFC6FD}" type="slidenum">
+              <a:rPr lang="fr-FR" smtClean="0"/>
+              <a:t>1</a:t>
+            </a:fld>
+            <a:endParaRPr lang="fr-FR"/>
+          </a:p>
+        </p:txBody>
+      </p:sp>
+    </p:spTree>
+    <p:extLst>
+      <p:ext uri="{BB962C8B-B14F-4D97-AF65-F5344CB8AC3E}">
+        <p14:creationId xmlns:p14="http://schemas.microsoft.com/office/powerpoint/2010/main" val="1327635703"/>
+      </p:ext>
+    </p:extLst>
+  </p:cSld>
+  <p:clrMapOvr>
+    <a:masterClrMapping/>
+  </p:clrMapOvr>
+</p:notes>
+</file>
+
+<file path=ppt/notesSlides/notesSlide2.xml><?xml version="1.0" encoding="utf-8"?>
+<p:notes xmlns:a="http://schemas.openxmlformats.org/drawingml/2006/main" xmlns:r="http://schemas.openxmlformats.org/officeDocument/2006/relationships" xmlns:p="http://schemas.openxmlformats.org/presentationml/2006/main">
+  <p:cSld>
+    <p:spTree>
+      <p:nvGrpSpPr>
+        <p:cNvPr id="1" name=""/>
+        <p:cNvGrpSpPr/>
+        <p:nvPr/>
+      </p:nvGrpSpPr>
+      <p:grpSpPr>
+        <a:xfrm>
+          <a:off x="0" y="0"/>
+          <a:ext cx="0" cy="0"/>
+          <a:chOff x="0" y="0"/>
+          <a:chExt cx="0" cy="0"/>
+        </a:xfrm>
+      </p:grpSpPr>
+      <p:sp>
+        <p:nvSpPr>
+          <p:cNvPr id="2" name="Espace réservé de l'image des diapositives 1"/>
+          <p:cNvSpPr>
+            <a:spLocks noGrp="1" noRot="1" noChangeAspect="1"/>
+          </p:cNvSpPr>
+          <p:nvPr>
+            <p:ph type="sldImg"/>
+          </p:nvPr>
+        </p:nvSpPr>
+        <p:spPr/>
+      </p:sp>
+      <p:sp>
+        <p:nvSpPr>
+          <p:cNvPr id="3" name="Espace réservé des commentaires 2"/>
+          <p:cNvSpPr>
+            <a:spLocks noGrp="1"/>
+          </p:cNvSpPr>
+          <p:nvPr>
+            <p:ph type="body" idx="1"/>
+          </p:nvPr>
+        </p:nvSpPr>
+        <p:spPr/>
+        <p:txBody>
+          <a:bodyPr/>
+          <a:lstStyle/>
+          <a:p>
+            <a:endParaRPr lang="fr-FR"/>
+          </a:p>
+        </p:txBody>
+      </p:sp>
+      <p:sp>
+        <p:nvSpPr>
+          <p:cNvPr id="4" name="Espace réservé du numéro de diapositive 3"/>
+          <p:cNvSpPr>
+            <a:spLocks noGrp="1"/>
+          </p:cNvSpPr>
+          <p:nvPr>
+            <p:ph type="sldNum" sz="quarter" idx="10"/>
+          </p:nvPr>
+        </p:nvSpPr>
+        <p:spPr/>
+        <p:txBody>
+          <a:bodyPr/>
+          <a:lstStyle/>
+          <a:p>
+            <a:fld id="{D9DAF95E-790F-4285-A5C7-7098E1AFC6FD}" type="slidenum">
+              <a:rPr lang="fr-FR" smtClean="0"/>
+              <a:t>3</a:t>
+            </a:fld>
+            <a:endParaRPr lang="fr-FR"/>
+          </a:p>
+        </p:txBody>
+      </p:sp>
+    </p:spTree>
+    <p:extLst>
+      <p:ext uri="{BB962C8B-B14F-4D97-AF65-F5344CB8AC3E}">
+        <p14:creationId xmlns:p14="http://schemas.microsoft.com/office/powerpoint/2010/main" val="229088342"/>
+      </p:ext>
+    </p:extLst>
+  </p:cSld>
+  <p:clrMapOvr>
+    <a:masterClrMapping/>
+  </p:clrMapOvr>
+</p:notes>
+</file>
+
+<file path=ppt/notesSlides/notesSlide3.xml><?xml version="1.0" encoding="utf-8"?>
+<p:notes xmlns:a="http://schemas.openxmlformats.org/drawingml/2006/main" xmlns:r="http://schemas.openxmlformats.org/officeDocument/2006/relationships" xmlns:p="http://schemas.openxmlformats.org/presentationml/2006/main">
+  <p:cSld>
+    <p:spTree>
+      <p:nvGrpSpPr>
+        <p:cNvPr id="1" name=""/>
+        <p:cNvGrpSpPr/>
+        <p:nvPr/>
+      </p:nvGrpSpPr>
+      <p:grpSpPr>
+        <a:xfrm>
+          <a:off x="0" y="0"/>
+          <a:ext cx="0" cy="0"/>
+          <a:chOff x="0" y="0"/>
+          <a:chExt cx="0" cy="0"/>
+        </a:xfrm>
+      </p:grpSpPr>
+      <p:sp>
+        <p:nvSpPr>
+          <p:cNvPr id="2" name="Espace réservé de l'image des diapositives 1"/>
+          <p:cNvSpPr>
+            <a:spLocks noGrp="1" noRot="1" noChangeAspect="1"/>
+          </p:cNvSpPr>
+          <p:nvPr>
+            <p:ph type="sldImg"/>
+          </p:nvPr>
+        </p:nvSpPr>
+        <p:spPr/>
+      </p:sp>
+      <p:sp>
+        <p:nvSpPr>
+          <p:cNvPr id="3" name="Espace réservé des commentaires 2"/>
+          <p:cNvSpPr>
+            <a:spLocks noGrp="1"/>
+          </p:cNvSpPr>
+          <p:nvPr>
+            <p:ph type="body" idx="1"/>
+          </p:nvPr>
+        </p:nvSpPr>
+        <p:spPr/>
+        <p:txBody>
+          <a:bodyPr/>
+          <a:lstStyle/>
+          <a:p>
+            <a:endParaRPr lang="fr-FR"/>
+          </a:p>
+        </p:txBody>
+      </p:sp>
+      <p:sp>
+        <p:nvSpPr>
+          <p:cNvPr id="4" name="Espace réservé du numéro de diapositive 3"/>
+          <p:cNvSpPr>
+            <a:spLocks noGrp="1"/>
+          </p:cNvSpPr>
+          <p:nvPr>
+            <p:ph type="sldNum" sz="quarter" idx="10"/>
+          </p:nvPr>
+        </p:nvSpPr>
+        <p:spPr/>
+        <p:txBody>
+          <a:bodyPr/>
+          <a:lstStyle/>
+          <a:p>
+            <a:fld id="{D9DAF95E-790F-4285-A5C7-7098E1AFC6FD}" type="slidenum">
+              <a:rPr lang="fr-FR" smtClean="0"/>
+              <a:t>5</a:t>
+            </a:fld>
+            <a:endParaRPr lang="fr-FR"/>
+          </a:p>
+        </p:txBody>
+      </p:sp>
+    </p:spTree>
+    <p:extLst>
+      <p:ext uri="{BB962C8B-B14F-4D97-AF65-F5344CB8AC3E}">
+        <p14:creationId xmlns:p14="http://schemas.microsoft.com/office/powerpoint/2010/main" val="2634429790"/>
+      </p:ext>
+    </p:extLst>
+  </p:cSld>
+  <p:clrMapOvr>
+    <a:masterClrMapping/>
+  </p:clrMapOvr>
+</p:notes>
 </file>
 
 <file path=ppt/slideLayouts/slideLayout1.xml><?xml version="1.0" encoding="utf-8"?>
@@ -296,9 +1079,9 @@
           <a:bodyPr/>
           <a:lstStyle/>
           <a:p>
-            <a:fld id="{0CE9CB2F-CDD1-4702-9AEF-C89C2BAFF7B4}" type="datetimeFigureOut">
-              <a:rPr lang="fr-FR" smtClean="0"/>
-              <a:t>18/02/2021</a:t>
+            <a:fld id="{5F062FA3-C757-46AD-BE3D-08E3097276F1}" type="datetime1">
+              <a:rPr lang="fr-FR" smtClean="0"/>
+              <a:t>19/02/2021</a:t>
             </a:fld>
             <a:endParaRPr lang="fr-FR"/>
           </a:p>
@@ -571,9 +1354,9 @@
           <a:bodyPr/>
           <a:lstStyle/>
           <a:p>
-            <a:fld id="{0CE9CB2F-CDD1-4702-9AEF-C89C2BAFF7B4}" type="datetimeFigureOut">
-              <a:rPr lang="fr-FR" smtClean="0"/>
-              <a:t>18/02/2021</a:t>
+            <a:fld id="{126C59CE-9F50-43A9-9157-43F81CE2E27A}" type="datetime1">
+              <a:rPr lang="fr-FR" smtClean="0"/>
+              <a:t>19/02/2021</a:t>
             </a:fld>
             <a:endParaRPr lang="fr-FR"/>
           </a:p>
@@ -765,9 +1548,9 @@
           <a:bodyPr/>
           <a:lstStyle/>
           <a:p>
-            <a:fld id="{0CE9CB2F-CDD1-4702-9AEF-C89C2BAFF7B4}" type="datetimeFigureOut">
-              <a:rPr lang="fr-FR" smtClean="0"/>
-              <a:t>18/02/2021</a:t>
+            <a:fld id="{150158B4-4403-4905-A3EA-4A7FD48E640E}" type="datetime1">
+              <a:rPr lang="fr-FR" smtClean="0"/>
+              <a:t>19/02/2021</a:t>
             </a:fld>
             <a:endParaRPr lang="fr-FR"/>
           </a:p>
@@ -1033,9 +1816,9 @@
           <a:bodyPr/>
           <a:lstStyle/>
           <a:p>
-            <a:fld id="{0CE9CB2F-CDD1-4702-9AEF-C89C2BAFF7B4}" type="datetimeFigureOut">
-              <a:rPr lang="fr-FR" smtClean="0"/>
-              <a:t>18/02/2021</a:t>
+            <a:fld id="{F3B1F635-6351-445E-B7C9-B01B15556E9B}" type="datetime1">
+              <a:rPr lang="fr-FR" smtClean="0"/>
+              <a:t>19/02/2021</a:t>
             </a:fld>
             <a:endParaRPr lang="fr-FR"/>
           </a:p>
@@ -1365,9 +2148,9 @@
           <a:bodyPr/>
           <a:lstStyle/>
           <a:p>
-            <a:fld id="{0CE9CB2F-CDD1-4702-9AEF-C89C2BAFF7B4}" type="datetimeFigureOut">
-              <a:rPr lang="fr-FR" smtClean="0"/>
-              <a:t>18/02/2021</a:t>
+            <a:fld id="{AD38CE0A-8B11-4060-A90F-569F8BFA54FE}" type="datetime1">
+              <a:rPr lang="fr-FR" smtClean="0"/>
+              <a:t>19/02/2021</a:t>
             </a:fld>
             <a:endParaRPr lang="fr-FR"/>
           </a:p>
@@ -1975,9 +2758,9 @@
           <a:bodyPr/>
           <a:lstStyle/>
           <a:p>
-            <a:fld id="{0CE9CB2F-CDD1-4702-9AEF-C89C2BAFF7B4}" type="datetimeFigureOut">
-              <a:rPr lang="fr-FR" smtClean="0"/>
-              <a:t>18/02/2021</a:t>
+            <a:fld id="{F26FA75E-3BD3-4813-A533-AD349D2AB470}" type="datetime1">
+              <a:rPr lang="fr-FR" smtClean="0"/>
+              <a:t>19/02/2021</a:t>
             </a:fld>
             <a:endParaRPr lang="fr-FR"/>
           </a:p>
@@ -2822,9 +3605,9 @@
           <a:bodyPr/>
           <a:lstStyle/>
           <a:p>
-            <a:fld id="{0CE9CB2F-CDD1-4702-9AEF-C89C2BAFF7B4}" type="datetimeFigureOut">
-              <a:rPr lang="fr-FR" smtClean="0"/>
-              <a:t>18/02/2021</a:t>
+            <a:fld id="{D9EFE219-66FC-4A6E-BB7A-25077190DD99}" type="datetime1">
+              <a:rPr lang="fr-FR" smtClean="0"/>
+              <a:t>19/02/2021</a:t>
             </a:fld>
             <a:endParaRPr lang="fr-FR"/>
           </a:p>
@@ -2992,9 +3775,9 @@
           <a:bodyPr/>
           <a:lstStyle/>
           <a:p>
-            <a:fld id="{0CE9CB2F-CDD1-4702-9AEF-C89C2BAFF7B4}" type="datetimeFigureOut">
-              <a:rPr lang="fr-FR" smtClean="0"/>
-              <a:t>18/02/2021</a:t>
+            <a:fld id="{15EFECD6-43A5-45DC-8B2A-1C18513C8C5B}" type="datetime1">
+              <a:rPr lang="fr-FR" smtClean="0"/>
+              <a:t>19/02/2021</a:t>
             </a:fld>
             <a:endParaRPr lang="fr-FR"/>
           </a:p>
@@ -3172,9 +3955,9 @@
           <a:bodyPr/>
           <a:lstStyle/>
           <a:p>
-            <a:fld id="{0CE9CB2F-CDD1-4702-9AEF-C89C2BAFF7B4}" type="datetimeFigureOut">
-              <a:rPr lang="fr-FR" smtClean="0"/>
-              <a:t>18/02/2021</a:t>
+            <a:fld id="{AB516EB9-317A-41CB-8322-075DE0FD865E}" type="datetime1">
+              <a:rPr lang="fr-FR" smtClean="0"/>
+              <a:t>19/02/2021</a:t>
             </a:fld>
             <a:endParaRPr lang="fr-FR"/>
           </a:p>
@@ -3342,9 +4125,9 @@
           <a:bodyPr/>
           <a:lstStyle/>
           <a:p>
-            <a:fld id="{0CE9CB2F-CDD1-4702-9AEF-C89C2BAFF7B4}" type="datetimeFigureOut">
-              <a:rPr lang="fr-FR" smtClean="0"/>
-              <a:t>18/02/2021</a:t>
+            <a:fld id="{F0015778-B88E-4449-AACD-EA53B3979885}" type="datetime1">
+              <a:rPr lang="fr-FR" smtClean="0"/>
+              <a:t>19/02/2021</a:t>
             </a:fld>
             <a:endParaRPr lang="fr-FR"/>
           </a:p>
@@ -3586,9 +4369,9 @@
           <a:bodyPr/>
           <a:lstStyle/>
           <a:p>
-            <a:fld id="{0CE9CB2F-CDD1-4702-9AEF-C89C2BAFF7B4}" type="datetimeFigureOut">
-              <a:rPr lang="fr-FR" smtClean="0"/>
-              <a:t>18/02/2021</a:t>
+            <a:fld id="{E6F44ACA-1B69-4BF1-8439-DFB2B2532970}" type="datetime1">
+              <a:rPr lang="fr-FR" smtClean="0"/>
+              <a:t>19/02/2021</a:t>
             </a:fld>
             <a:endParaRPr lang="fr-FR"/>
           </a:p>
@@ -3878,9 +4661,9 @@
           <a:bodyPr/>
           <a:lstStyle/>
           <a:p>
-            <a:fld id="{0CE9CB2F-CDD1-4702-9AEF-C89C2BAFF7B4}" type="datetimeFigureOut">
-              <a:rPr lang="fr-FR" smtClean="0"/>
-              <a:t>18/02/2021</a:t>
+            <a:fld id="{2C849752-430F-4E64-BEA0-08D760E8C4DF}" type="datetime1">
+              <a:rPr lang="fr-FR" smtClean="0"/>
+              <a:t>19/02/2021</a:t>
             </a:fld>
             <a:endParaRPr lang="fr-FR"/>
           </a:p>
@@ -4316,9 +5099,9 @@
           <a:bodyPr/>
           <a:lstStyle/>
           <a:p>
-            <a:fld id="{0CE9CB2F-CDD1-4702-9AEF-C89C2BAFF7B4}" type="datetimeFigureOut">
-              <a:rPr lang="fr-FR" smtClean="0"/>
-              <a:t>18/02/2021</a:t>
+            <a:fld id="{6A10141E-1F52-4D7A-80F7-0A81B4FFAB30}" type="datetime1">
+              <a:rPr lang="fr-FR" smtClean="0"/>
+              <a:t>19/02/2021</a:t>
             </a:fld>
             <a:endParaRPr lang="fr-FR"/>
           </a:p>
@@ -4434,9 +5217,9 @@
           <a:bodyPr/>
           <a:lstStyle/>
           <a:p>
-            <a:fld id="{0CE9CB2F-CDD1-4702-9AEF-C89C2BAFF7B4}" type="datetimeFigureOut">
-              <a:rPr lang="fr-FR" smtClean="0"/>
-              <a:t>18/02/2021</a:t>
+            <a:fld id="{ED0016B3-80E3-4456-BB7D-C8B19414AF4B}" type="datetime1">
+              <a:rPr lang="fr-FR" smtClean="0"/>
+              <a:t>19/02/2021</a:t>
             </a:fld>
             <a:endParaRPr lang="fr-FR"/>
           </a:p>
@@ -4529,9 +5312,9 @@
           <a:bodyPr/>
           <a:lstStyle/>
           <a:p>
-            <a:fld id="{0CE9CB2F-CDD1-4702-9AEF-C89C2BAFF7B4}" type="datetimeFigureOut">
-              <a:rPr lang="fr-FR" smtClean="0"/>
-              <a:t>18/02/2021</a:t>
+            <a:fld id="{722A46F7-CC81-4989-87A0-F27C9A069D30}" type="datetime1">
+              <a:rPr lang="fr-FR" smtClean="0"/>
+              <a:t>19/02/2021</a:t>
             </a:fld>
             <a:endParaRPr lang="fr-FR"/>
           </a:p>
@@ -4808,9 +5591,9 @@
           <a:bodyPr/>
           <a:lstStyle/>
           <a:p>
-            <a:fld id="{0CE9CB2F-CDD1-4702-9AEF-C89C2BAFF7B4}" type="datetimeFigureOut">
-              <a:rPr lang="fr-FR" smtClean="0"/>
-              <a:t>18/02/2021</a:t>
+            <a:fld id="{AB98F9A9-E4E6-46F9-8CB2-9FE5A88DD7CC}" type="datetime1">
+              <a:rPr lang="fr-FR" smtClean="0"/>
+              <a:t>19/02/2021</a:t>
             </a:fld>
             <a:endParaRPr lang="fr-FR"/>
           </a:p>
@@ -5083,9 +5866,9 @@
           <a:bodyPr/>
           <a:lstStyle/>
           <a:p>
-            <a:fld id="{0CE9CB2F-CDD1-4702-9AEF-C89C2BAFF7B4}" type="datetimeFigureOut">
-              <a:rPr lang="fr-FR" smtClean="0"/>
-              <a:t>18/02/2021</a:t>
+            <a:fld id="{FFE10763-0655-49E6-9503-236F3EE8E1F7}" type="datetime1">
+              <a:rPr lang="fr-FR" smtClean="0"/>
+              <a:t>19/02/2021</a:t>
             </a:fld>
             <a:endParaRPr lang="fr-FR"/>
           </a:p>
@@ -5512,9 +6295,9 @@
             </a:lvl1pPr>
           </a:lstStyle>
           <a:p>
-            <a:fld id="{0CE9CB2F-CDD1-4702-9AEF-C89C2BAFF7B4}" type="datetimeFigureOut">
-              <a:rPr lang="fr-FR" smtClean="0"/>
-              <a:t>18/02/2021</a:t>
+            <a:fld id="{C39FAD5C-3AA2-4437-A50C-F9D79184249A}" type="datetime1">
+              <a:rPr lang="fr-FR" smtClean="0"/>
+              <a:t>19/02/2021</a:t>
             </a:fld>
             <a:endParaRPr lang="fr-FR"/>
           </a:p>
@@ -5626,6 +6409,7 @@
     <p:sldLayoutId id="2147483766" r:id="rId16"/>
     <p:sldLayoutId id="2147483767" r:id="rId17"/>
   </p:sldLayoutIdLst>
+  <p:hf hdr="0" ftr="0" dt="0"/>
   <p:txStyles>
     <p:titleStyle>
       <a:lvl1pPr algn="l" defTabSz="457200" rtl="0" eaLnBrk="1" latinLnBrk="0" hangingPunct="1">
@@ -6060,6 +6844,59 @@
           </a:p>
         </p:txBody>
       </p:sp>
+      <p:sp>
+        <p:nvSpPr>
+          <p:cNvPr id="4" name="Espace réservé du numéro de diapositive 3"/>
+          <p:cNvSpPr>
+            <a:spLocks noGrp="1"/>
+          </p:cNvSpPr>
+          <p:nvPr>
+            <p:ph type="sldNum" sz="quarter" idx="12"/>
+          </p:nvPr>
+        </p:nvSpPr>
+        <p:spPr/>
+        <p:txBody>
+          <a:bodyPr/>
+          <a:lstStyle/>
+          <a:p>
+            <a:fld id="{2F26E896-8B5D-4594-842C-5B66D894C6AB}" type="slidenum">
+              <a:rPr lang="fr-FR" smtClean="0"/>
+              <a:t>1</a:t>
+            </a:fld>
+            <a:endParaRPr lang="fr-FR"/>
+          </a:p>
+        </p:txBody>
+      </p:sp>
+      <p:pic>
+        <p:nvPicPr>
+          <p:cNvPr id="6" name="Image 5"/>
+          <p:cNvPicPr>
+            <a:picLocks noChangeAspect="1"/>
+          </p:cNvPicPr>
+          <p:nvPr/>
+        </p:nvPicPr>
+        <p:blipFill>
+          <a:blip r:embed="rId3">
+            <a:extLst>
+              <a:ext uri="{28A0092B-C50C-407E-A947-70E740481C1C}">
+                <a14:useLocalDpi xmlns:a14="http://schemas.microsoft.com/office/drawing/2010/main" val="0"/>
+              </a:ext>
+            </a:extLst>
+          </a:blip>
+          <a:stretch>
+            <a:fillRect/>
+          </a:stretch>
+        </p:blipFill>
+        <p:spPr>
+          <a:xfrm>
+            <a:off x="3855499" y="145491"/>
+            <a:ext cx="3897601" cy="2604617"/>
+          </a:xfrm>
+          <a:prstGeom prst="rect">
+            <a:avLst/>
+          </a:prstGeom>
+        </p:spPr>
+      </p:pic>
     </p:spTree>
     <p:extLst>
       <p:ext uri="{BB962C8B-B14F-4D97-AF65-F5344CB8AC3E}">
@@ -6080,788 +6917,7 @@
 </p:sld>
 </file>
 
-<file path=ppt/slides/slide2.xml><?xml version="1.0" encoding="utf-8"?>
-<p:sld xmlns:a="http://schemas.openxmlformats.org/drawingml/2006/main" xmlns:r="http://schemas.openxmlformats.org/officeDocument/2006/relationships" xmlns:p="http://schemas.openxmlformats.org/presentationml/2006/main">
-  <p:cSld>
-    <p:spTree>
-      <p:nvGrpSpPr>
-        <p:cNvPr id="1" name=""/>
-        <p:cNvGrpSpPr/>
-        <p:nvPr/>
-      </p:nvGrpSpPr>
-      <p:grpSpPr>
-        <a:xfrm>
-          <a:off x="0" y="0"/>
-          <a:ext cx="0" cy="0"/>
-          <a:chOff x="0" y="0"/>
-          <a:chExt cx="0" cy="0"/>
-        </a:xfrm>
-      </p:grpSpPr>
-      <p:sp>
-        <p:nvSpPr>
-          <p:cNvPr id="2" name="Titre 1"/>
-          <p:cNvSpPr>
-            <a:spLocks noGrp="1"/>
-          </p:cNvSpPr>
-          <p:nvPr>
-            <p:ph type="title"/>
-          </p:nvPr>
-        </p:nvSpPr>
-        <p:spPr/>
-        <p:txBody>
-          <a:bodyPr/>
-          <a:lstStyle/>
-          <a:p>
-            <a:r>
-              <a:rPr lang="fr-FR" dirty="0" smtClean="0"/>
-              <a:t>PRESENTATION DE L’EQUIPE</a:t>
-            </a:r>
-            <a:endParaRPr lang="fr-FR" dirty="0"/>
-          </a:p>
-        </p:txBody>
-      </p:sp>
-      <p:sp>
-        <p:nvSpPr>
-          <p:cNvPr id="3" name="Espace réservé du contenu 2"/>
-          <p:cNvSpPr>
-            <a:spLocks noGrp="1"/>
-          </p:cNvSpPr>
-          <p:nvPr>
-            <p:ph idx="1"/>
-          </p:nvPr>
-        </p:nvSpPr>
-        <p:spPr/>
-        <p:txBody>
-          <a:bodyPr/>
-          <a:lstStyle/>
-          <a:p>
-            <a:r>
-              <a:rPr lang="fr-FR" dirty="0" err="1" smtClean="0"/>
-              <a:t>Gael</a:t>
-            </a:r>
-            <a:r>
-              <a:rPr lang="fr-FR" dirty="0" smtClean="0"/>
-              <a:t> HERAMBOURG</a:t>
-            </a:r>
-          </a:p>
-          <a:p>
-            <a:r>
-              <a:rPr lang="fr-FR" dirty="0" smtClean="0"/>
-              <a:t>Pierre PINSON</a:t>
-            </a:r>
-          </a:p>
-          <a:p>
-            <a:r>
-              <a:rPr lang="fr-FR" dirty="0" smtClean="0"/>
-              <a:t>Victor AVRON</a:t>
-            </a:r>
-          </a:p>
-          <a:p>
-            <a:endParaRPr lang="fr-FR" dirty="0"/>
-          </a:p>
-          <a:p>
-            <a:endParaRPr lang="fr-FR" dirty="0" smtClean="0"/>
-          </a:p>
-          <a:p>
-            <a:endParaRPr lang="fr-FR" dirty="0"/>
-          </a:p>
-        </p:txBody>
-      </p:sp>
-    </p:spTree>
-    <p:extLst>
-      <p:ext uri="{BB962C8B-B14F-4D97-AF65-F5344CB8AC3E}">
-        <p14:creationId xmlns:p14="http://schemas.microsoft.com/office/powerpoint/2010/main" val="1678133619"/>
-      </p:ext>
-    </p:extLst>
-  </p:cSld>
-  <p:clrMapOvr>
-    <a:masterClrMapping/>
-  </p:clrMapOvr>
-  <p:timing>
-    <p:tnLst>
-      <p:par>
-        <p:cTn id="1" dur="indefinite" restart="never" nodeType="tmRoot"/>
-      </p:par>
-    </p:tnLst>
-  </p:timing>
-</p:sld>
-</file>
-
-<file path=ppt/slides/slide3.xml><?xml version="1.0" encoding="utf-8"?>
-<p:sld xmlns:a="http://schemas.openxmlformats.org/drawingml/2006/main" xmlns:r="http://schemas.openxmlformats.org/officeDocument/2006/relationships" xmlns:p="http://schemas.openxmlformats.org/presentationml/2006/main">
-  <p:cSld>
-    <p:spTree>
-      <p:nvGrpSpPr>
-        <p:cNvPr id="1" name=""/>
-        <p:cNvGrpSpPr/>
-        <p:nvPr/>
-      </p:nvGrpSpPr>
-      <p:grpSpPr>
-        <a:xfrm>
-          <a:off x="0" y="0"/>
-          <a:ext cx="0" cy="0"/>
-          <a:chOff x="0" y="0"/>
-          <a:chExt cx="0" cy="0"/>
-        </a:xfrm>
-      </p:grpSpPr>
-      <p:sp>
-        <p:nvSpPr>
-          <p:cNvPr id="2" name="Titre 1"/>
-          <p:cNvSpPr>
-            <a:spLocks noGrp="1"/>
-          </p:cNvSpPr>
-          <p:nvPr>
-            <p:ph type="title"/>
-          </p:nvPr>
-        </p:nvSpPr>
-        <p:spPr/>
-        <p:txBody>
-          <a:bodyPr/>
-          <a:lstStyle/>
-          <a:p>
-            <a:r>
-              <a:rPr lang="fr-FR" dirty="0" smtClean="0"/>
-              <a:t>DEMONSTRATION DU SITE	</a:t>
-            </a:r>
-            <a:endParaRPr lang="fr-FR" dirty="0"/>
-          </a:p>
-        </p:txBody>
-      </p:sp>
-      <p:sp>
-        <p:nvSpPr>
-          <p:cNvPr id="3" name="Espace réservé du contenu 2"/>
-          <p:cNvSpPr>
-            <a:spLocks noGrp="1"/>
-          </p:cNvSpPr>
-          <p:nvPr>
-            <p:ph idx="1"/>
-          </p:nvPr>
-        </p:nvSpPr>
-        <p:spPr/>
-        <p:txBody>
-          <a:bodyPr/>
-          <a:lstStyle/>
-          <a:p>
-            <a:r>
-              <a:rPr lang="fr-FR" dirty="0" smtClean="0"/>
-              <a:t>Inscription d’un nouveau membre</a:t>
-            </a:r>
-          </a:p>
-          <a:p>
-            <a:r>
-              <a:rPr lang="fr-FR" dirty="0" smtClean="0"/>
-              <a:t>Découverte des sorties</a:t>
-            </a:r>
-          </a:p>
-          <a:p>
-            <a:r>
-              <a:rPr lang="fr-FR" dirty="0" smtClean="0"/>
-              <a:t>Fonctionnalités de base</a:t>
-            </a:r>
-          </a:p>
-          <a:p>
-            <a:r>
-              <a:rPr lang="fr-FR" dirty="0" smtClean="0"/>
-              <a:t>Navigation</a:t>
-            </a:r>
-          </a:p>
-          <a:p>
-            <a:endParaRPr lang="fr-FR" dirty="0"/>
-          </a:p>
-          <a:p>
-            <a:r>
-              <a:rPr lang="fr-FR" dirty="0" smtClean="0"/>
-              <a:t>Connexion d’un administrateur</a:t>
-            </a:r>
-          </a:p>
-          <a:p>
-            <a:r>
-              <a:rPr lang="fr-FR" dirty="0" smtClean="0"/>
-              <a:t>Gestion Villes et Campus</a:t>
-            </a:r>
-          </a:p>
-          <a:p>
-            <a:endParaRPr lang="fr-FR" dirty="0"/>
-          </a:p>
-          <a:p>
-            <a:r>
-              <a:rPr lang="fr-FR" dirty="0" smtClean="0"/>
-              <a:t>Une fonctionnalité dynamique : modification et suppression des campus</a:t>
-            </a:r>
-          </a:p>
-          <a:p>
-            <a:endParaRPr lang="fr-FR" dirty="0" smtClean="0"/>
-          </a:p>
-          <a:p>
-            <a:endParaRPr lang="fr-FR" dirty="0"/>
-          </a:p>
-        </p:txBody>
-      </p:sp>
-    </p:spTree>
-    <p:extLst>
-      <p:ext uri="{BB962C8B-B14F-4D97-AF65-F5344CB8AC3E}">
-        <p14:creationId xmlns:p14="http://schemas.microsoft.com/office/powerpoint/2010/main" val="508812216"/>
-      </p:ext>
-    </p:extLst>
-  </p:cSld>
-  <p:clrMapOvr>
-    <a:masterClrMapping/>
-  </p:clrMapOvr>
-  <p:timing>
-    <p:tnLst>
-      <p:par>
-        <p:cTn id="1" dur="indefinite" restart="never" nodeType="tmRoot"/>
-      </p:par>
-    </p:tnLst>
-  </p:timing>
-</p:sld>
-</file>
-
-<file path=ppt/slides/slide4.xml><?xml version="1.0" encoding="utf-8"?>
-<p:sld xmlns:a="http://schemas.openxmlformats.org/drawingml/2006/main" xmlns:r="http://schemas.openxmlformats.org/officeDocument/2006/relationships" xmlns:p="http://schemas.openxmlformats.org/presentationml/2006/main">
-  <p:cSld>
-    <p:spTree>
-      <p:nvGrpSpPr>
-        <p:cNvPr id="1" name=""/>
-        <p:cNvGrpSpPr/>
-        <p:nvPr/>
-      </p:nvGrpSpPr>
-      <p:grpSpPr>
-        <a:xfrm>
-          <a:off x="0" y="0"/>
-          <a:ext cx="0" cy="0"/>
-          <a:chOff x="0" y="0"/>
-          <a:chExt cx="0" cy="0"/>
-        </a:xfrm>
-      </p:grpSpPr>
-      <p:sp>
-        <p:nvSpPr>
-          <p:cNvPr id="2" name="Titre 1"/>
-          <p:cNvSpPr>
-            <a:spLocks noGrp="1"/>
-          </p:cNvSpPr>
-          <p:nvPr>
-            <p:ph type="title"/>
-          </p:nvPr>
-        </p:nvSpPr>
-        <p:spPr/>
-        <p:txBody>
-          <a:bodyPr/>
-          <a:lstStyle/>
-          <a:p>
-            <a:r>
-              <a:rPr lang="fr-FR" dirty="0" smtClean="0"/>
-              <a:t>GESTION DES CAMPUS		</a:t>
-            </a:r>
-            <a:endParaRPr lang="fr-FR" dirty="0"/>
-          </a:p>
-        </p:txBody>
-      </p:sp>
-      <p:sp>
-        <p:nvSpPr>
-          <p:cNvPr id="3" name="Espace réservé du contenu 2"/>
-          <p:cNvSpPr>
-            <a:spLocks noGrp="1"/>
-          </p:cNvSpPr>
-          <p:nvPr>
-            <p:ph idx="1"/>
-          </p:nvPr>
-        </p:nvSpPr>
-        <p:spPr>
-          <a:xfrm>
-            <a:off x="1077798" y="1364565"/>
-            <a:ext cx="8946541" cy="5080781"/>
-          </a:xfrm>
-        </p:spPr>
-        <p:txBody>
-          <a:bodyPr/>
-          <a:lstStyle/>
-          <a:p>
-            <a:r>
-              <a:rPr lang="fr-FR" dirty="0" smtClean="0"/>
-              <a:t>Un appel à une fenêtre modale </a:t>
-            </a:r>
-          </a:p>
-          <a:p>
-            <a:endParaRPr lang="fr-FR" dirty="0" smtClean="0"/>
-          </a:p>
-          <a:p>
-            <a:endParaRPr lang="fr-FR" dirty="0"/>
-          </a:p>
-          <a:p>
-            <a:endParaRPr lang="fr-FR" dirty="0" smtClean="0"/>
-          </a:p>
-          <a:p>
-            <a:endParaRPr lang="fr-FR" dirty="0"/>
-          </a:p>
-          <a:p>
-            <a:endParaRPr lang="fr-FR" dirty="0" smtClean="0"/>
-          </a:p>
-          <a:p>
-            <a:endParaRPr lang="fr-FR" dirty="0"/>
-          </a:p>
-          <a:p>
-            <a:endParaRPr lang="fr-FR" dirty="0" smtClean="0"/>
-          </a:p>
-          <a:p>
-            <a:endParaRPr lang="fr-FR" dirty="0"/>
-          </a:p>
-          <a:p>
-            <a:r>
-              <a:rPr lang="fr-FR" dirty="0" smtClean="0"/>
-              <a:t>Important </a:t>
-            </a:r>
-          </a:p>
-          <a:p>
-            <a:endParaRPr lang="fr-FR" dirty="0" smtClean="0"/>
-          </a:p>
-          <a:p>
-            <a:endParaRPr lang="fr-FR" dirty="0"/>
-          </a:p>
-          <a:p>
-            <a:endParaRPr lang="fr-FR" dirty="0" smtClean="0"/>
-          </a:p>
-          <a:p>
-            <a:endParaRPr lang="fr-FR" dirty="0"/>
-          </a:p>
-          <a:p>
-            <a:endParaRPr lang="fr-FR" dirty="0" smtClean="0"/>
-          </a:p>
-          <a:p>
-            <a:endParaRPr lang="fr-FR" dirty="0"/>
-          </a:p>
-        </p:txBody>
-      </p:sp>
-      <p:pic>
-        <p:nvPicPr>
-          <p:cNvPr id="8" name="Image 7"/>
-          <p:cNvPicPr>
-            <a:picLocks noChangeAspect="1"/>
-          </p:cNvPicPr>
-          <p:nvPr/>
-        </p:nvPicPr>
-        <p:blipFill>
-          <a:blip r:embed="rId2"/>
-          <a:stretch>
-            <a:fillRect/>
-          </a:stretch>
-        </p:blipFill>
-        <p:spPr>
-          <a:xfrm>
-            <a:off x="1845598" y="5725232"/>
-            <a:ext cx="7818225" cy="652727"/>
-          </a:xfrm>
-          <a:prstGeom prst="rect">
-            <a:avLst/>
-          </a:prstGeom>
-        </p:spPr>
-      </p:pic>
-      <p:pic>
-        <p:nvPicPr>
-          <p:cNvPr id="9" name="Image 8"/>
-          <p:cNvPicPr>
-            <a:picLocks noChangeAspect="1"/>
-          </p:cNvPicPr>
-          <p:nvPr/>
-        </p:nvPicPr>
-        <p:blipFill>
-          <a:blip r:embed="rId3"/>
-          <a:stretch>
-            <a:fillRect/>
-          </a:stretch>
-        </p:blipFill>
-        <p:spPr>
-          <a:xfrm>
-            <a:off x="1845597" y="2096306"/>
-            <a:ext cx="7966945" cy="1027222"/>
-          </a:xfrm>
-          <a:prstGeom prst="rect">
-            <a:avLst/>
-          </a:prstGeom>
-        </p:spPr>
-      </p:pic>
-      <p:pic>
-        <p:nvPicPr>
-          <p:cNvPr id="11" name="Image 10"/>
-          <p:cNvPicPr>
-            <a:picLocks noChangeAspect="1"/>
-          </p:cNvPicPr>
-          <p:nvPr/>
-        </p:nvPicPr>
-        <p:blipFill>
-          <a:blip r:embed="rId4"/>
-          <a:stretch>
-            <a:fillRect/>
-          </a:stretch>
-        </p:blipFill>
-        <p:spPr>
-          <a:xfrm>
-            <a:off x="1976125" y="3320355"/>
-            <a:ext cx="7557169" cy="1948954"/>
-          </a:xfrm>
-          <a:prstGeom prst="rect">
-            <a:avLst/>
-          </a:prstGeom>
-        </p:spPr>
-      </p:pic>
-    </p:spTree>
-    <p:extLst>
-      <p:ext uri="{BB962C8B-B14F-4D97-AF65-F5344CB8AC3E}">
-        <p14:creationId xmlns:p14="http://schemas.microsoft.com/office/powerpoint/2010/main" val="3704829510"/>
-      </p:ext>
-    </p:extLst>
-  </p:cSld>
-  <p:clrMapOvr>
-    <a:masterClrMapping/>
-  </p:clrMapOvr>
-  <p:timing>
-    <p:tnLst>
-      <p:par>
-        <p:cTn id="1" dur="indefinite" restart="never" nodeType="tmRoot"/>
-      </p:par>
-    </p:tnLst>
-  </p:timing>
-</p:sld>
-</file>
-
-<file path=ppt/slides/slide5.xml><?xml version="1.0" encoding="utf-8"?>
-<p:sld xmlns:a="http://schemas.openxmlformats.org/drawingml/2006/main" xmlns:r="http://schemas.openxmlformats.org/officeDocument/2006/relationships" xmlns:p="http://schemas.openxmlformats.org/presentationml/2006/main">
-  <p:cSld>
-    <p:spTree>
-      <p:nvGrpSpPr>
-        <p:cNvPr id="1" name=""/>
-        <p:cNvGrpSpPr/>
-        <p:nvPr/>
-      </p:nvGrpSpPr>
-      <p:grpSpPr>
-        <a:xfrm>
-          <a:off x="0" y="0"/>
-          <a:ext cx="0" cy="0"/>
-          <a:chOff x="0" y="0"/>
-          <a:chExt cx="0" cy="0"/>
-        </a:xfrm>
-      </p:grpSpPr>
-      <p:sp>
-        <p:nvSpPr>
-          <p:cNvPr id="2" name="Titre 1"/>
-          <p:cNvSpPr>
-            <a:spLocks noGrp="1"/>
-          </p:cNvSpPr>
-          <p:nvPr>
-            <p:ph type="title"/>
-          </p:nvPr>
-        </p:nvSpPr>
-        <p:spPr/>
-        <p:txBody>
-          <a:bodyPr/>
-          <a:lstStyle/>
-          <a:p>
-            <a:r>
-              <a:rPr lang="fr-FR" dirty="0" smtClean="0"/>
-              <a:t>GESTION DES CAMPUS</a:t>
-            </a:r>
-            <a:br>
-              <a:rPr lang="fr-FR" dirty="0" smtClean="0"/>
-            </a:br>
-            <a:r>
-              <a:rPr lang="fr-FR" sz="1800" dirty="0" smtClean="0"/>
-              <a:t>Première fonction de récupération des données</a:t>
-            </a:r>
-            <a:endParaRPr lang="fr-FR" sz="1800" dirty="0"/>
-          </a:p>
-        </p:txBody>
-      </p:sp>
-      <p:sp>
-        <p:nvSpPr>
-          <p:cNvPr id="3" name="Espace réservé du contenu 2"/>
-          <p:cNvSpPr>
-            <a:spLocks noGrp="1"/>
-          </p:cNvSpPr>
-          <p:nvPr>
-            <p:ph idx="1"/>
-          </p:nvPr>
-        </p:nvSpPr>
-        <p:spPr>
-          <a:xfrm>
-            <a:off x="1104293" y="1853248"/>
-            <a:ext cx="8946541" cy="4587033"/>
-          </a:xfrm>
-        </p:spPr>
-        <p:txBody>
-          <a:bodyPr/>
-          <a:lstStyle/>
-          <a:p>
-            <a:r>
-              <a:rPr lang="fr-FR" dirty="0" smtClean="0"/>
-              <a:t>La fenêtre modale ne contient pas les données du Campus :</a:t>
-            </a:r>
-          </a:p>
-          <a:p>
-            <a:endParaRPr lang="fr-FR" dirty="0"/>
-          </a:p>
-          <a:p>
-            <a:endParaRPr lang="fr-FR" dirty="0" smtClean="0"/>
-          </a:p>
-          <a:p>
-            <a:endParaRPr lang="fr-FR" dirty="0"/>
-          </a:p>
-          <a:p>
-            <a:endParaRPr lang="fr-FR" dirty="0" smtClean="0"/>
-          </a:p>
-          <a:p>
-            <a:endParaRPr lang="fr-FR" dirty="0"/>
-          </a:p>
-          <a:p>
-            <a:endParaRPr lang="fr-FR" dirty="0" smtClean="0"/>
-          </a:p>
-          <a:p>
-            <a:r>
-              <a:rPr lang="fr-FR" dirty="0" smtClean="0"/>
-              <a:t>La confirmation du pop-up déclenche la mise à jour :</a:t>
-            </a:r>
-            <a:endParaRPr lang="fr-FR" dirty="0"/>
-          </a:p>
-          <a:p>
-            <a:endParaRPr lang="fr-FR" dirty="0" smtClean="0"/>
-          </a:p>
-          <a:p>
-            <a:endParaRPr lang="fr-FR" dirty="0"/>
-          </a:p>
-        </p:txBody>
-      </p:sp>
-      <p:pic>
-        <p:nvPicPr>
-          <p:cNvPr id="5" name="Image 4"/>
-          <p:cNvPicPr>
-            <a:picLocks noChangeAspect="1"/>
-          </p:cNvPicPr>
-          <p:nvPr/>
-        </p:nvPicPr>
-        <p:blipFill>
-          <a:blip r:embed="rId2"/>
-          <a:stretch>
-            <a:fillRect/>
-          </a:stretch>
-        </p:blipFill>
-        <p:spPr>
-          <a:xfrm>
-            <a:off x="4424570" y="5287879"/>
-            <a:ext cx="2806345" cy="1356787"/>
-          </a:xfrm>
-          <a:prstGeom prst="rect">
-            <a:avLst/>
-          </a:prstGeom>
-        </p:spPr>
-      </p:pic>
-      <p:pic>
-        <p:nvPicPr>
-          <p:cNvPr id="6" name="Image 5"/>
-          <p:cNvPicPr>
-            <a:picLocks noChangeAspect="1"/>
-          </p:cNvPicPr>
-          <p:nvPr/>
-        </p:nvPicPr>
-        <p:blipFill>
-          <a:blip r:embed="rId3"/>
-          <a:stretch>
-            <a:fillRect/>
-          </a:stretch>
-        </p:blipFill>
-        <p:spPr>
-          <a:xfrm>
-            <a:off x="2649432" y="2418694"/>
-            <a:ext cx="6627677" cy="2303738"/>
-          </a:xfrm>
-          <a:prstGeom prst="rect">
-            <a:avLst/>
-          </a:prstGeom>
-        </p:spPr>
-      </p:pic>
-    </p:spTree>
-    <p:extLst>
-      <p:ext uri="{BB962C8B-B14F-4D97-AF65-F5344CB8AC3E}">
-        <p14:creationId xmlns:p14="http://schemas.microsoft.com/office/powerpoint/2010/main" val="1720625667"/>
-      </p:ext>
-    </p:extLst>
-  </p:cSld>
-  <p:clrMapOvr>
-    <a:masterClrMapping/>
-  </p:clrMapOvr>
-  <p:timing>
-    <p:tnLst>
-      <p:par>
-        <p:cTn id="1" dur="indefinite" restart="never" nodeType="tmRoot"/>
-      </p:par>
-    </p:tnLst>
-  </p:timing>
-</p:sld>
-</file>
-
-<file path=ppt/slides/slide6.xml><?xml version="1.0" encoding="utf-8"?>
-<p:sld xmlns:a="http://schemas.openxmlformats.org/drawingml/2006/main" xmlns:r="http://schemas.openxmlformats.org/officeDocument/2006/relationships" xmlns:p="http://schemas.openxmlformats.org/presentationml/2006/main">
-  <p:cSld>
-    <p:spTree>
-      <p:nvGrpSpPr>
-        <p:cNvPr id="1" name=""/>
-        <p:cNvGrpSpPr/>
-        <p:nvPr/>
-      </p:nvGrpSpPr>
-      <p:grpSpPr>
-        <a:xfrm>
-          <a:off x="0" y="0"/>
-          <a:ext cx="0" cy="0"/>
-          <a:chOff x="0" y="0"/>
-          <a:chExt cx="0" cy="0"/>
-        </a:xfrm>
-      </p:grpSpPr>
-      <p:sp>
-        <p:nvSpPr>
-          <p:cNvPr id="2" name="Titre 1"/>
-          <p:cNvSpPr>
-            <a:spLocks noGrp="1"/>
-          </p:cNvSpPr>
-          <p:nvPr>
-            <p:ph type="title"/>
-          </p:nvPr>
-        </p:nvSpPr>
-        <p:spPr/>
-        <p:txBody>
-          <a:bodyPr/>
-          <a:lstStyle/>
-          <a:p>
-            <a:r>
-              <a:rPr lang="fr-FR" dirty="0" smtClean="0"/>
-              <a:t>GESTION DES CAMPUS</a:t>
-            </a:r>
-            <a:br>
-              <a:rPr lang="fr-FR" dirty="0" smtClean="0"/>
-            </a:br>
-            <a:r>
-              <a:rPr lang="fr-FR" sz="1800" dirty="0" smtClean="0"/>
-              <a:t>Appel AJAX</a:t>
-            </a:r>
-            <a:endParaRPr lang="fr-FR" dirty="0"/>
-          </a:p>
-        </p:txBody>
-      </p:sp>
-      <p:sp>
-        <p:nvSpPr>
-          <p:cNvPr id="3" name="Espace réservé du contenu 2"/>
-          <p:cNvSpPr>
-            <a:spLocks noGrp="1"/>
-          </p:cNvSpPr>
-          <p:nvPr>
-            <p:ph idx="1"/>
-          </p:nvPr>
-        </p:nvSpPr>
-        <p:spPr/>
-        <p:txBody>
-          <a:bodyPr/>
-          <a:lstStyle/>
-          <a:p>
-            <a:r>
-              <a:rPr lang="fr-FR" dirty="0" smtClean="0"/>
-              <a:t>Les données sont maintenant présentes dans la fenêtre modale,</a:t>
-            </a:r>
-          </a:p>
-          <a:p>
-            <a:endParaRPr lang="fr-FR" dirty="0"/>
-          </a:p>
-          <a:p>
-            <a:endParaRPr lang="fr-FR" dirty="0" smtClean="0"/>
-          </a:p>
-          <a:p>
-            <a:endParaRPr lang="fr-FR" dirty="0"/>
-          </a:p>
-          <a:p>
-            <a:endParaRPr lang="fr-FR" dirty="0" smtClean="0"/>
-          </a:p>
-          <a:p>
-            <a:r>
-              <a:rPr lang="fr-FR" dirty="0" smtClean="0"/>
-              <a:t> et sont envoyées au </a:t>
-            </a:r>
-            <a:r>
-              <a:rPr lang="fr-FR" dirty="0" err="1" smtClean="0"/>
-              <a:t>controller</a:t>
-            </a:r>
-            <a:r>
-              <a:rPr lang="fr-FR" dirty="0" smtClean="0"/>
-              <a:t> via l’appel AJAX :</a:t>
-            </a:r>
-            <a:endParaRPr lang="fr-FR" dirty="0"/>
-          </a:p>
-        </p:txBody>
-      </p:sp>
-      <p:pic>
-        <p:nvPicPr>
-          <p:cNvPr id="10" name="Image 9"/>
-          <p:cNvPicPr>
-            <a:picLocks noChangeAspect="1"/>
-          </p:cNvPicPr>
-          <p:nvPr/>
-        </p:nvPicPr>
-        <p:blipFill>
-          <a:blip r:embed="rId2"/>
-          <a:stretch>
-            <a:fillRect/>
-          </a:stretch>
-        </p:blipFill>
-        <p:spPr>
-          <a:xfrm>
-            <a:off x="3032200" y="2575059"/>
-            <a:ext cx="6196205" cy="1371076"/>
-          </a:xfrm>
-          <a:prstGeom prst="rect">
-            <a:avLst/>
-          </a:prstGeom>
-        </p:spPr>
-      </p:pic>
-      <p:pic>
-        <p:nvPicPr>
-          <p:cNvPr id="11" name="Image 10"/>
-          <p:cNvPicPr>
-            <a:picLocks noChangeAspect="1"/>
-          </p:cNvPicPr>
-          <p:nvPr/>
-        </p:nvPicPr>
-        <p:blipFill>
-          <a:blip r:embed="rId3"/>
-          <a:stretch>
-            <a:fillRect/>
-          </a:stretch>
-        </p:blipFill>
-        <p:spPr>
-          <a:xfrm>
-            <a:off x="3209420" y="4731508"/>
-            <a:ext cx="5588546" cy="1516891"/>
-          </a:xfrm>
-          <a:prstGeom prst="rect">
-            <a:avLst/>
-          </a:prstGeom>
-        </p:spPr>
-      </p:pic>
-    </p:spTree>
-    <p:extLst>
-      <p:ext uri="{BB962C8B-B14F-4D97-AF65-F5344CB8AC3E}">
-        <p14:creationId xmlns:p14="http://schemas.microsoft.com/office/powerpoint/2010/main" val="1091411790"/>
-      </p:ext>
-    </p:extLst>
-  </p:cSld>
-  <p:clrMapOvr>
-    <a:masterClrMapping/>
-  </p:clrMapOvr>
-  <p:timing>
-    <p:tnLst>
-      <p:par>
-        <p:cTn id="1" dur="indefinite" restart="never" nodeType="tmRoot"/>
-      </p:par>
-    </p:tnLst>
-  </p:timing>
-</p:sld>
-</file>
-
-<file path=ppt/slides/slide7.xml><?xml version="1.0" encoding="utf-8"?>
+<file path=ppt/slides/slide10.xml><?xml version="1.0" encoding="utf-8"?>
 <p:sld xmlns:a="http://schemas.openxmlformats.org/drawingml/2006/main" xmlns:r="http://schemas.openxmlformats.org/officeDocument/2006/relationships" xmlns:p="http://schemas.openxmlformats.org/presentationml/2006/main">
   <p:cSld>
     <p:spTree>
@@ -7007,10 +7063,1409 @@
           </a:prstGeom>
         </p:spPr>
       </p:pic>
+      <p:sp>
+        <p:nvSpPr>
+          <p:cNvPr id="4" name="Espace réservé du numéro de diapositive 3"/>
+          <p:cNvSpPr>
+            <a:spLocks noGrp="1"/>
+          </p:cNvSpPr>
+          <p:nvPr>
+            <p:ph type="sldNum" sz="quarter" idx="12"/>
+          </p:nvPr>
+        </p:nvSpPr>
+        <p:spPr/>
+        <p:txBody>
+          <a:bodyPr/>
+          <a:lstStyle/>
+          <a:p>
+            <a:fld id="{2F26E896-8B5D-4594-842C-5B66D894C6AB}" type="slidenum">
+              <a:rPr lang="fr-FR" smtClean="0"/>
+              <a:t>10</a:t>
+            </a:fld>
+            <a:endParaRPr lang="fr-FR"/>
+          </a:p>
+        </p:txBody>
+      </p:sp>
     </p:spTree>
     <p:extLst>
       <p:ext uri="{BB962C8B-B14F-4D97-AF65-F5344CB8AC3E}">
         <p14:creationId xmlns:p14="http://schemas.microsoft.com/office/powerpoint/2010/main" val="1577875468"/>
+      </p:ext>
+    </p:extLst>
+  </p:cSld>
+  <p:clrMapOvr>
+    <a:masterClrMapping/>
+  </p:clrMapOvr>
+  <p:timing>
+    <p:tnLst>
+      <p:par>
+        <p:cTn id="1" dur="indefinite" restart="never" nodeType="tmRoot"/>
+      </p:par>
+    </p:tnLst>
+  </p:timing>
+</p:sld>
+</file>
+
+<file path=ppt/slides/slide11.xml><?xml version="1.0" encoding="utf-8"?>
+<p:sld xmlns:a="http://schemas.openxmlformats.org/drawingml/2006/main" xmlns:r="http://schemas.openxmlformats.org/officeDocument/2006/relationships" xmlns:p="http://schemas.openxmlformats.org/presentationml/2006/main">
+  <p:cSld>
+    <p:spTree>
+      <p:nvGrpSpPr>
+        <p:cNvPr id="1" name=""/>
+        <p:cNvGrpSpPr/>
+        <p:nvPr/>
+      </p:nvGrpSpPr>
+      <p:grpSpPr>
+        <a:xfrm>
+          <a:off x="0" y="0"/>
+          <a:ext cx="0" cy="0"/>
+          <a:chOff x="0" y="0"/>
+          <a:chExt cx="0" cy="0"/>
+        </a:xfrm>
+      </p:grpSpPr>
+      <p:sp>
+        <p:nvSpPr>
+          <p:cNvPr id="2" name="Titre 1"/>
+          <p:cNvSpPr>
+            <a:spLocks noGrp="1"/>
+          </p:cNvSpPr>
+          <p:nvPr>
+            <p:ph type="title"/>
+          </p:nvPr>
+        </p:nvSpPr>
+        <p:spPr/>
+        <p:txBody>
+          <a:bodyPr/>
+          <a:lstStyle/>
+          <a:p>
+            <a:r>
+              <a:rPr lang="fr-FR" dirty="0" smtClean="0"/>
+              <a:t>GESTION DES CAMPUS</a:t>
+            </a:r>
+            <a:br>
+              <a:rPr lang="fr-FR" dirty="0" smtClean="0"/>
+            </a:br>
+            <a:r>
+              <a:rPr lang="fr-FR" sz="1800" dirty="0" smtClean="0"/>
+              <a:t>Mise à jour de la page sans rechargement</a:t>
+            </a:r>
+            <a:endParaRPr lang="fr-FR" dirty="0"/>
+          </a:p>
+        </p:txBody>
+      </p:sp>
+      <p:sp>
+        <p:nvSpPr>
+          <p:cNvPr id="3" name="Espace réservé du contenu 2"/>
+          <p:cNvSpPr>
+            <a:spLocks noGrp="1"/>
+          </p:cNvSpPr>
+          <p:nvPr>
+            <p:ph idx="1"/>
+          </p:nvPr>
+        </p:nvSpPr>
+        <p:spPr/>
+        <p:txBody>
+          <a:bodyPr/>
+          <a:lstStyle/>
+          <a:p>
+            <a:r>
+              <a:rPr lang="fr-FR" dirty="0" smtClean="0"/>
+              <a:t>La fonction </a:t>
+            </a:r>
+            <a:r>
+              <a:rPr lang="fr-FR" dirty="0" err="1" smtClean="0"/>
+              <a:t>Javascript</a:t>
+            </a:r>
+            <a:r>
+              <a:rPr lang="fr-FR" dirty="0" smtClean="0"/>
+              <a:t> peut s’achever</a:t>
+            </a:r>
+          </a:p>
+          <a:p>
+            <a:endParaRPr lang="fr-FR" dirty="0"/>
+          </a:p>
+          <a:p>
+            <a:endParaRPr lang="fr-FR" dirty="0" smtClean="0"/>
+          </a:p>
+          <a:p>
+            <a:endParaRPr lang="fr-FR" dirty="0"/>
+          </a:p>
+          <a:p>
+            <a:endParaRPr lang="fr-FR" dirty="0" smtClean="0"/>
+          </a:p>
+          <a:p>
+            <a:endParaRPr lang="fr-FR" dirty="0" smtClean="0"/>
+          </a:p>
+          <a:p>
+            <a:endParaRPr lang="fr-FR" dirty="0"/>
+          </a:p>
+          <a:p>
+            <a:endParaRPr lang="fr-FR" dirty="0"/>
+          </a:p>
+          <a:p>
+            <a:r>
+              <a:rPr lang="fr-FR" dirty="0" smtClean="0"/>
+              <a:t>Le tableau est mis à jour de façon dynamique </a:t>
+            </a:r>
+            <a:endParaRPr lang="fr-FR" dirty="0"/>
+          </a:p>
+        </p:txBody>
+      </p:sp>
+      <p:pic>
+        <p:nvPicPr>
+          <p:cNvPr id="5" name="Image 4"/>
+          <p:cNvPicPr>
+            <a:picLocks noChangeAspect="1"/>
+          </p:cNvPicPr>
+          <p:nvPr/>
+        </p:nvPicPr>
+        <p:blipFill>
+          <a:blip r:embed="rId2"/>
+          <a:stretch>
+            <a:fillRect/>
+          </a:stretch>
+        </p:blipFill>
+        <p:spPr>
+          <a:xfrm>
+            <a:off x="646112" y="2496751"/>
+            <a:ext cx="5300808" cy="1904808"/>
+          </a:xfrm>
+          <a:prstGeom prst="rect">
+            <a:avLst/>
+          </a:prstGeom>
+        </p:spPr>
+      </p:pic>
+      <p:sp>
+        <p:nvSpPr>
+          <p:cNvPr id="4" name="Espace réservé du numéro de diapositive 3"/>
+          <p:cNvSpPr>
+            <a:spLocks noGrp="1"/>
+          </p:cNvSpPr>
+          <p:nvPr>
+            <p:ph type="sldNum" sz="quarter" idx="12"/>
+          </p:nvPr>
+        </p:nvSpPr>
+        <p:spPr/>
+        <p:txBody>
+          <a:bodyPr/>
+          <a:lstStyle/>
+          <a:p>
+            <a:fld id="{2F26E896-8B5D-4594-842C-5B66D894C6AB}" type="slidenum">
+              <a:rPr lang="fr-FR" smtClean="0"/>
+              <a:t>11</a:t>
+            </a:fld>
+            <a:endParaRPr lang="fr-FR"/>
+          </a:p>
+        </p:txBody>
+      </p:sp>
+      <p:pic>
+        <p:nvPicPr>
+          <p:cNvPr id="6" name="Image 5"/>
+          <p:cNvPicPr>
+            <a:picLocks noChangeAspect="1"/>
+          </p:cNvPicPr>
+          <p:nvPr/>
+        </p:nvPicPr>
+        <p:blipFill>
+          <a:blip r:embed="rId3"/>
+          <a:stretch>
+            <a:fillRect/>
+          </a:stretch>
+        </p:blipFill>
+        <p:spPr>
+          <a:xfrm>
+            <a:off x="6141337" y="4069135"/>
+            <a:ext cx="5572219" cy="1479945"/>
+          </a:xfrm>
+          <a:prstGeom prst="rect">
+            <a:avLst/>
+          </a:prstGeom>
+        </p:spPr>
+      </p:pic>
+      <p:sp>
+        <p:nvSpPr>
+          <p:cNvPr id="7" name="ZoneTexte 6"/>
+          <p:cNvSpPr txBox="1"/>
+          <p:nvPr/>
+        </p:nvSpPr>
+        <p:spPr>
+          <a:xfrm>
+            <a:off x="7301587" y="3599968"/>
+            <a:ext cx="3580117" cy="369332"/>
+          </a:xfrm>
+          <a:prstGeom prst="rect">
+            <a:avLst/>
+          </a:prstGeom>
+          <a:noFill/>
+        </p:spPr>
+        <p:txBody>
+          <a:bodyPr wrap="square" rtlCol="0">
+            <a:spAutoFit/>
+          </a:bodyPr>
+          <a:lstStyle/>
+          <a:p>
+            <a:r>
+              <a:rPr lang="fr-FR" dirty="0" smtClean="0"/>
+              <a:t>Pour la fonction Suppression</a:t>
+            </a:r>
+            <a:endParaRPr lang="fr-FR" dirty="0"/>
+          </a:p>
+        </p:txBody>
+      </p:sp>
+    </p:spTree>
+    <p:extLst>
+      <p:ext uri="{BB962C8B-B14F-4D97-AF65-F5344CB8AC3E}">
+        <p14:creationId xmlns:p14="http://schemas.microsoft.com/office/powerpoint/2010/main" val="1658657105"/>
+      </p:ext>
+    </p:extLst>
+  </p:cSld>
+  <p:clrMapOvr>
+    <a:masterClrMapping/>
+  </p:clrMapOvr>
+  <p:timing>
+    <p:tnLst>
+      <p:par>
+        <p:cTn id="1" dur="indefinite" restart="never" nodeType="tmRoot"/>
+      </p:par>
+    </p:tnLst>
+  </p:timing>
+</p:sld>
+</file>
+
+<file path=ppt/slides/slide12.xml><?xml version="1.0" encoding="utf-8"?>
+<p:sld xmlns:a="http://schemas.openxmlformats.org/drawingml/2006/main" xmlns:r="http://schemas.openxmlformats.org/officeDocument/2006/relationships" xmlns:p="http://schemas.openxmlformats.org/presentationml/2006/main">
+  <p:cSld>
+    <p:spTree>
+      <p:nvGrpSpPr>
+        <p:cNvPr id="1" name=""/>
+        <p:cNvGrpSpPr/>
+        <p:nvPr/>
+      </p:nvGrpSpPr>
+      <p:grpSpPr>
+        <a:xfrm>
+          <a:off x="0" y="0"/>
+          <a:ext cx="0" cy="0"/>
+          <a:chOff x="0" y="0"/>
+          <a:chExt cx="0" cy="0"/>
+        </a:xfrm>
+      </p:grpSpPr>
+      <p:sp>
+        <p:nvSpPr>
+          <p:cNvPr id="2" name="Titre 1"/>
+          <p:cNvSpPr>
+            <a:spLocks noGrp="1"/>
+          </p:cNvSpPr>
+          <p:nvPr>
+            <p:ph type="title"/>
+          </p:nvPr>
+        </p:nvSpPr>
+        <p:spPr/>
+        <p:txBody>
+          <a:bodyPr/>
+          <a:lstStyle/>
+          <a:p>
+            <a:r>
+              <a:rPr lang="fr-FR" dirty="0" smtClean="0"/>
+              <a:t>FIN DE LA PRESENTATION	</a:t>
+            </a:r>
+            <a:endParaRPr lang="fr-FR" dirty="0"/>
+          </a:p>
+        </p:txBody>
+      </p:sp>
+      <p:sp>
+        <p:nvSpPr>
+          <p:cNvPr id="3" name="Espace réservé du contenu 2"/>
+          <p:cNvSpPr>
+            <a:spLocks noGrp="1"/>
+          </p:cNvSpPr>
+          <p:nvPr>
+            <p:ph idx="1"/>
+          </p:nvPr>
+        </p:nvSpPr>
+        <p:spPr>
+          <a:xfrm>
+            <a:off x="1103312" y="1448972"/>
+            <a:ext cx="8946541" cy="4799427"/>
+          </a:xfrm>
+        </p:spPr>
+        <p:txBody>
+          <a:bodyPr/>
+          <a:lstStyle/>
+          <a:p>
+            <a:pPr marL="0" indent="0" algn="ctr">
+              <a:buNone/>
+            </a:pPr>
+            <a:endParaRPr lang="fr-FR" dirty="0"/>
+          </a:p>
+          <a:p>
+            <a:pPr algn="ctr"/>
+            <a:r>
+              <a:rPr lang="fr-FR" dirty="0" smtClean="0"/>
+              <a:t>Merci pour votre attention</a:t>
+            </a:r>
+            <a:r>
+              <a:rPr lang="fr-FR" dirty="0" smtClean="0"/>
+              <a:t>.</a:t>
+            </a:r>
+          </a:p>
+          <a:p>
+            <a:pPr algn="ctr"/>
+            <a:endParaRPr lang="fr-FR" dirty="0"/>
+          </a:p>
+          <a:p>
+            <a:pPr algn="ctr"/>
+            <a:endParaRPr lang="fr-FR" dirty="0"/>
+          </a:p>
+        </p:txBody>
+      </p:sp>
+      <p:sp>
+        <p:nvSpPr>
+          <p:cNvPr id="4" name="Espace réservé du numéro de diapositive 3"/>
+          <p:cNvSpPr>
+            <a:spLocks noGrp="1"/>
+          </p:cNvSpPr>
+          <p:nvPr>
+            <p:ph type="sldNum" sz="quarter" idx="12"/>
+          </p:nvPr>
+        </p:nvSpPr>
+        <p:spPr/>
+        <p:txBody>
+          <a:bodyPr/>
+          <a:lstStyle/>
+          <a:p>
+            <a:fld id="{2F26E896-8B5D-4594-842C-5B66D894C6AB}" type="slidenum">
+              <a:rPr lang="fr-FR" smtClean="0"/>
+              <a:t>12</a:t>
+            </a:fld>
+            <a:endParaRPr lang="fr-FR"/>
+          </a:p>
+        </p:txBody>
+      </p:sp>
+      <p:pic>
+        <p:nvPicPr>
+          <p:cNvPr id="6" name="Image 5"/>
+          <p:cNvPicPr>
+            <a:picLocks noChangeAspect="1"/>
+          </p:cNvPicPr>
+          <p:nvPr/>
+        </p:nvPicPr>
+        <p:blipFill>
+          <a:blip r:embed="rId2">
+            <a:extLst>
+              <a:ext uri="{28A0092B-C50C-407E-A947-70E740481C1C}">
+                <a14:useLocalDpi xmlns:a14="http://schemas.microsoft.com/office/drawing/2010/main" val="0"/>
+              </a:ext>
+            </a:extLst>
+          </a:blip>
+          <a:stretch>
+            <a:fillRect/>
+          </a:stretch>
+        </p:blipFill>
+        <p:spPr>
+          <a:xfrm>
+            <a:off x="3036025" y="3144338"/>
+            <a:ext cx="5557198" cy="3713662"/>
+          </a:xfrm>
+          <a:prstGeom prst="rect">
+            <a:avLst/>
+          </a:prstGeom>
+        </p:spPr>
+      </p:pic>
+    </p:spTree>
+    <p:extLst>
+      <p:ext uri="{BB962C8B-B14F-4D97-AF65-F5344CB8AC3E}">
+        <p14:creationId xmlns:p14="http://schemas.microsoft.com/office/powerpoint/2010/main" val="563868093"/>
+      </p:ext>
+    </p:extLst>
+  </p:cSld>
+  <p:clrMapOvr>
+    <a:masterClrMapping/>
+  </p:clrMapOvr>
+  <p:timing>
+    <p:tnLst>
+      <p:par>
+        <p:cTn id="1" dur="indefinite" restart="never" nodeType="tmRoot"/>
+      </p:par>
+    </p:tnLst>
+  </p:timing>
+</p:sld>
+</file>
+
+<file path=ppt/slides/slide2.xml><?xml version="1.0" encoding="utf-8"?>
+<p:sld xmlns:a="http://schemas.openxmlformats.org/drawingml/2006/main" xmlns:r="http://schemas.openxmlformats.org/officeDocument/2006/relationships" xmlns:p="http://schemas.openxmlformats.org/presentationml/2006/main">
+  <p:cSld>
+    <p:spTree>
+      <p:nvGrpSpPr>
+        <p:cNvPr id="1" name=""/>
+        <p:cNvGrpSpPr/>
+        <p:nvPr/>
+      </p:nvGrpSpPr>
+      <p:grpSpPr>
+        <a:xfrm>
+          <a:off x="0" y="0"/>
+          <a:ext cx="0" cy="0"/>
+          <a:chOff x="0" y="0"/>
+          <a:chExt cx="0" cy="0"/>
+        </a:xfrm>
+      </p:grpSpPr>
+      <p:sp>
+        <p:nvSpPr>
+          <p:cNvPr id="2" name="Titre 1"/>
+          <p:cNvSpPr>
+            <a:spLocks noGrp="1"/>
+          </p:cNvSpPr>
+          <p:nvPr>
+            <p:ph type="title"/>
+          </p:nvPr>
+        </p:nvSpPr>
+        <p:spPr/>
+        <p:txBody>
+          <a:bodyPr/>
+          <a:lstStyle/>
+          <a:p>
+            <a:r>
+              <a:rPr lang="fr-FR" dirty="0" smtClean="0"/>
+              <a:t>PRESENTATION DE L’EQUIPE</a:t>
+            </a:r>
+            <a:endParaRPr lang="fr-FR" dirty="0"/>
+          </a:p>
+        </p:txBody>
+      </p:sp>
+      <p:sp>
+        <p:nvSpPr>
+          <p:cNvPr id="3" name="Espace réservé du contenu 2"/>
+          <p:cNvSpPr>
+            <a:spLocks noGrp="1"/>
+          </p:cNvSpPr>
+          <p:nvPr>
+            <p:ph idx="1"/>
+          </p:nvPr>
+        </p:nvSpPr>
+        <p:spPr/>
+        <p:txBody>
+          <a:bodyPr/>
+          <a:lstStyle/>
+          <a:p>
+            <a:r>
+              <a:rPr lang="fr-FR" dirty="0" err="1" smtClean="0"/>
+              <a:t>Gael</a:t>
+            </a:r>
+            <a:r>
+              <a:rPr lang="fr-FR" dirty="0" smtClean="0"/>
+              <a:t> HERAMBOURG</a:t>
+            </a:r>
+          </a:p>
+          <a:p>
+            <a:r>
+              <a:rPr lang="fr-FR" dirty="0" smtClean="0"/>
+              <a:t>Pierre PINSON</a:t>
+            </a:r>
+          </a:p>
+          <a:p>
+            <a:r>
+              <a:rPr lang="fr-FR" dirty="0" smtClean="0"/>
+              <a:t>Victor AVRON</a:t>
+            </a:r>
+          </a:p>
+          <a:p>
+            <a:endParaRPr lang="fr-FR" dirty="0"/>
+          </a:p>
+          <a:p>
+            <a:endParaRPr lang="fr-FR" dirty="0" smtClean="0"/>
+          </a:p>
+          <a:p>
+            <a:endParaRPr lang="fr-FR" dirty="0"/>
+          </a:p>
+        </p:txBody>
+      </p:sp>
+      <p:sp>
+        <p:nvSpPr>
+          <p:cNvPr id="4" name="Espace réservé du numéro de diapositive 3"/>
+          <p:cNvSpPr>
+            <a:spLocks noGrp="1"/>
+          </p:cNvSpPr>
+          <p:nvPr>
+            <p:ph type="sldNum" sz="quarter" idx="12"/>
+          </p:nvPr>
+        </p:nvSpPr>
+        <p:spPr/>
+        <p:txBody>
+          <a:bodyPr/>
+          <a:lstStyle/>
+          <a:p>
+            <a:fld id="{2F26E896-8B5D-4594-842C-5B66D894C6AB}" type="slidenum">
+              <a:rPr lang="fr-FR" smtClean="0"/>
+              <a:t>2</a:t>
+            </a:fld>
+            <a:endParaRPr lang="fr-FR"/>
+          </a:p>
+        </p:txBody>
+      </p:sp>
+    </p:spTree>
+    <p:extLst>
+      <p:ext uri="{BB962C8B-B14F-4D97-AF65-F5344CB8AC3E}">
+        <p14:creationId xmlns:p14="http://schemas.microsoft.com/office/powerpoint/2010/main" val="1678133619"/>
+      </p:ext>
+    </p:extLst>
+  </p:cSld>
+  <p:clrMapOvr>
+    <a:masterClrMapping/>
+  </p:clrMapOvr>
+  <p:timing>
+    <p:tnLst>
+      <p:par>
+        <p:cTn id="1" dur="indefinite" restart="never" nodeType="tmRoot"/>
+      </p:par>
+    </p:tnLst>
+  </p:timing>
+</p:sld>
+</file>
+
+<file path=ppt/slides/slide3.xml><?xml version="1.0" encoding="utf-8"?>
+<p:sld xmlns:a="http://schemas.openxmlformats.org/drawingml/2006/main" xmlns:r="http://schemas.openxmlformats.org/officeDocument/2006/relationships" xmlns:p="http://schemas.openxmlformats.org/presentationml/2006/main">
+  <p:cSld>
+    <p:spTree>
+      <p:nvGrpSpPr>
+        <p:cNvPr id="1" name=""/>
+        <p:cNvGrpSpPr/>
+        <p:nvPr/>
+      </p:nvGrpSpPr>
+      <p:grpSpPr>
+        <a:xfrm>
+          <a:off x="0" y="0"/>
+          <a:ext cx="0" cy="0"/>
+          <a:chOff x="0" y="0"/>
+          <a:chExt cx="0" cy="0"/>
+        </a:xfrm>
+      </p:grpSpPr>
+      <p:sp>
+        <p:nvSpPr>
+          <p:cNvPr id="2" name="Titre 1"/>
+          <p:cNvSpPr>
+            <a:spLocks noGrp="1"/>
+          </p:cNvSpPr>
+          <p:nvPr>
+            <p:ph type="title"/>
+          </p:nvPr>
+        </p:nvSpPr>
+        <p:spPr/>
+        <p:txBody>
+          <a:bodyPr/>
+          <a:lstStyle/>
+          <a:p>
+            <a:r>
+              <a:rPr lang="fr-FR" dirty="0" smtClean="0"/>
+              <a:t>TECHNOLOGIES UTILISEES</a:t>
+            </a:r>
+            <a:endParaRPr lang="fr-FR" dirty="0"/>
+          </a:p>
+        </p:txBody>
+      </p:sp>
+      <p:sp>
+        <p:nvSpPr>
+          <p:cNvPr id="3" name="Espace réservé du contenu 2"/>
+          <p:cNvSpPr>
+            <a:spLocks noGrp="1"/>
+          </p:cNvSpPr>
+          <p:nvPr>
+            <p:ph idx="1"/>
+          </p:nvPr>
+        </p:nvSpPr>
+        <p:spPr/>
+        <p:txBody>
+          <a:bodyPr/>
+          <a:lstStyle/>
+          <a:p>
+            <a:r>
+              <a:rPr lang="fr-FR" dirty="0" smtClean="0"/>
+              <a:t>PHP/7.3.21</a:t>
+            </a:r>
+          </a:p>
+          <a:p>
+            <a:r>
+              <a:rPr lang="fr-FR" dirty="0" smtClean="0"/>
+              <a:t>SYMFONY 5.2.3</a:t>
+            </a:r>
+          </a:p>
+          <a:p>
+            <a:r>
+              <a:rPr lang="fr-FR" dirty="0" smtClean="0"/>
+              <a:t>Base de données MySQL</a:t>
+            </a:r>
+            <a:endParaRPr lang="fr-FR" dirty="0"/>
+          </a:p>
+        </p:txBody>
+      </p:sp>
+      <p:sp>
+        <p:nvSpPr>
+          <p:cNvPr id="4" name="Espace réservé du numéro de diapositive 3"/>
+          <p:cNvSpPr>
+            <a:spLocks noGrp="1"/>
+          </p:cNvSpPr>
+          <p:nvPr>
+            <p:ph type="sldNum" sz="quarter" idx="12"/>
+          </p:nvPr>
+        </p:nvSpPr>
+        <p:spPr/>
+        <p:txBody>
+          <a:bodyPr/>
+          <a:lstStyle/>
+          <a:p>
+            <a:fld id="{2F26E896-8B5D-4594-842C-5B66D894C6AB}" type="slidenum">
+              <a:rPr lang="fr-FR" smtClean="0"/>
+              <a:t>3</a:t>
+            </a:fld>
+            <a:endParaRPr lang="fr-FR"/>
+          </a:p>
+        </p:txBody>
+      </p:sp>
+    </p:spTree>
+    <p:extLst>
+      <p:ext uri="{BB962C8B-B14F-4D97-AF65-F5344CB8AC3E}">
+        <p14:creationId xmlns:p14="http://schemas.microsoft.com/office/powerpoint/2010/main" val="4101402900"/>
+      </p:ext>
+    </p:extLst>
+  </p:cSld>
+  <p:clrMapOvr>
+    <a:masterClrMapping/>
+  </p:clrMapOvr>
+  <p:timing>
+    <p:tnLst>
+      <p:par>
+        <p:cTn id="1" dur="indefinite" restart="never" nodeType="tmRoot"/>
+      </p:par>
+    </p:tnLst>
+  </p:timing>
+</p:sld>
+</file>
+
+<file path=ppt/slides/slide4.xml><?xml version="1.0" encoding="utf-8"?>
+<p:sld xmlns:a="http://schemas.openxmlformats.org/drawingml/2006/main" xmlns:r="http://schemas.openxmlformats.org/officeDocument/2006/relationships" xmlns:p="http://schemas.openxmlformats.org/presentationml/2006/main">
+  <p:cSld>
+    <p:spTree>
+      <p:nvGrpSpPr>
+        <p:cNvPr id="1" name=""/>
+        <p:cNvGrpSpPr/>
+        <p:nvPr/>
+      </p:nvGrpSpPr>
+      <p:grpSpPr>
+        <a:xfrm>
+          <a:off x="0" y="0"/>
+          <a:ext cx="0" cy="0"/>
+          <a:chOff x="0" y="0"/>
+          <a:chExt cx="0" cy="0"/>
+        </a:xfrm>
+      </p:grpSpPr>
+      <p:sp>
+        <p:nvSpPr>
+          <p:cNvPr id="2" name="Titre 1"/>
+          <p:cNvSpPr>
+            <a:spLocks noGrp="1"/>
+          </p:cNvSpPr>
+          <p:nvPr>
+            <p:ph type="title"/>
+          </p:nvPr>
+        </p:nvSpPr>
+        <p:spPr/>
+        <p:txBody>
+          <a:bodyPr/>
+          <a:lstStyle/>
+          <a:p>
+            <a:r>
+              <a:rPr lang="fr-FR" dirty="0" smtClean="0"/>
+              <a:t>DEMONSTRATION DU SITE	</a:t>
+            </a:r>
+            <a:endParaRPr lang="fr-FR" dirty="0"/>
+          </a:p>
+        </p:txBody>
+      </p:sp>
+      <p:sp>
+        <p:nvSpPr>
+          <p:cNvPr id="3" name="Espace réservé du contenu 2"/>
+          <p:cNvSpPr>
+            <a:spLocks noGrp="1"/>
+          </p:cNvSpPr>
+          <p:nvPr>
+            <p:ph idx="1"/>
+          </p:nvPr>
+        </p:nvSpPr>
+        <p:spPr/>
+        <p:txBody>
+          <a:bodyPr/>
+          <a:lstStyle/>
+          <a:p>
+            <a:r>
+              <a:rPr lang="fr-FR" dirty="0" smtClean="0"/>
+              <a:t>Inscription d’un nouveau membre</a:t>
+            </a:r>
+          </a:p>
+          <a:p>
+            <a:r>
+              <a:rPr lang="fr-FR" dirty="0" smtClean="0"/>
+              <a:t>Découverte des sorties</a:t>
+            </a:r>
+          </a:p>
+          <a:p>
+            <a:r>
+              <a:rPr lang="fr-FR" dirty="0" smtClean="0"/>
+              <a:t>Fonctionnalités de base</a:t>
+            </a:r>
+          </a:p>
+          <a:p>
+            <a:r>
+              <a:rPr lang="fr-FR" dirty="0" smtClean="0"/>
+              <a:t>Navigation</a:t>
+            </a:r>
+          </a:p>
+          <a:p>
+            <a:endParaRPr lang="fr-FR" dirty="0"/>
+          </a:p>
+          <a:p>
+            <a:r>
+              <a:rPr lang="fr-FR" dirty="0" smtClean="0"/>
+              <a:t>Connexion d’un administrateur</a:t>
+            </a:r>
+          </a:p>
+          <a:p>
+            <a:r>
+              <a:rPr lang="fr-FR" dirty="0" smtClean="0"/>
+              <a:t>Gestion Villes et Campus</a:t>
+            </a:r>
+          </a:p>
+          <a:p>
+            <a:endParaRPr lang="fr-FR" dirty="0"/>
+          </a:p>
+          <a:p>
+            <a:r>
+              <a:rPr lang="fr-FR" dirty="0" smtClean="0"/>
+              <a:t>Une fonctionnalité dynamique : modification et suppression des campus</a:t>
+            </a:r>
+          </a:p>
+          <a:p>
+            <a:endParaRPr lang="fr-FR" dirty="0" smtClean="0"/>
+          </a:p>
+          <a:p>
+            <a:endParaRPr lang="fr-FR" dirty="0"/>
+          </a:p>
+        </p:txBody>
+      </p:sp>
+      <p:sp>
+        <p:nvSpPr>
+          <p:cNvPr id="4" name="Espace réservé du numéro de diapositive 3"/>
+          <p:cNvSpPr>
+            <a:spLocks noGrp="1"/>
+          </p:cNvSpPr>
+          <p:nvPr>
+            <p:ph type="sldNum" sz="quarter" idx="12"/>
+          </p:nvPr>
+        </p:nvSpPr>
+        <p:spPr/>
+        <p:txBody>
+          <a:bodyPr/>
+          <a:lstStyle/>
+          <a:p>
+            <a:fld id="{2F26E896-8B5D-4594-842C-5B66D894C6AB}" type="slidenum">
+              <a:rPr lang="fr-FR" smtClean="0"/>
+              <a:t>4</a:t>
+            </a:fld>
+            <a:endParaRPr lang="fr-FR"/>
+          </a:p>
+        </p:txBody>
+      </p:sp>
+    </p:spTree>
+    <p:extLst>
+      <p:ext uri="{BB962C8B-B14F-4D97-AF65-F5344CB8AC3E}">
+        <p14:creationId xmlns:p14="http://schemas.microsoft.com/office/powerpoint/2010/main" val="508812216"/>
+      </p:ext>
+    </p:extLst>
+  </p:cSld>
+  <p:clrMapOvr>
+    <a:masterClrMapping/>
+  </p:clrMapOvr>
+  <p:timing>
+    <p:tnLst>
+      <p:par>
+        <p:cTn id="1" dur="indefinite" restart="never" nodeType="tmRoot"/>
+      </p:par>
+    </p:tnLst>
+  </p:timing>
+</p:sld>
+</file>
+
+<file path=ppt/slides/slide5.xml><?xml version="1.0" encoding="utf-8"?>
+<p:sld xmlns:a="http://schemas.openxmlformats.org/drawingml/2006/main" xmlns:r="http://schemas.openxmlformats.org/officeDocument/2006/relationships" xmlns:p="http://schemas.openxmlformats.org/presentationml/2006/main">
+  <p:cSld>
+    <p:spTree>
+      <p:nvGrpSpPr>
+        <p:cNvPr id="1" name=""/>
+        <p:cNvGrpSpPr/>
+        <p:nvPr/>
+      </p:nvGrpSpPr>
+      <p:grpSpPr>
+        <a:xfrm>
+          <a:off x="0" y="0"/>
+          <a:ext cx="0" cy="0"/>
+          <a:chOff x="0" y="0"/>
+          <a:chExt cx="0" cy="0"/>
+        </a:xfrm>
+      </p:grpSpPr>
+      <p:sp>
+        <p:nvSpPr>
+          <p:cNvPr id="2" name="Titre 1"/>
+          <p:cNvSpPr>
+            <a:spLocks noGrp="1"/>
+          </p:cNvSpPr>
+          <p:nvPr>
+            <p:ph type="title"/>
+          </p:nvPr>
+        </p:nvSpPr>
+        <p:spPr/>
+        <p:txBody>
+          <a:bodyPr/>
+          <a:lstStyle/>
+          <a:p>
+            <a:r>
+              <a:rPr lang="fr-FR" dirty="0" smtClean="0"/>
+              <a:t>GESTION DES CAMPUS		</a:t>
+            </a:r>
+            <a:endParaRPr lang="fr-FR" dirty="0"/>
+          </a:p>
+        </p:txBody>
+      </p:sp>
+      <p:sp>
+        <p:nvSpPr>
+          <p:cNvPr id="3" name="Espace réservé du contenu 2"/>
+          <p:cNvSpPr>
+            <a:spLocks noGrp="1"/>
+          </p:cNvSpPr>
+          <p:nvPr>
+            <p:ph idx="1"/>
+          </p:nvPr>
+        </p:nvSpPr>
+        <p:spPr>
+          <a:xfrm>
+            <a:off x="1077798" y="1364565"/>
+            <a:ext cx="8946541" cy="5080781"/>
+          </a:xfrm>
+        </p:spPr>
+        <p:txBody>
+          <a:bodyPr/>
+          <a:lstStyle/>
+          <a:p>
+            <a:r>
+              <a:rPr lang="fr-FR" dirty="0" smtClean="0"/>
+              <a:t>Un appel à une fenêtre modale </a:t>
+            </a:r>
+          </a:p>
+          <a:p>
+            <a:endParaRPr lang="fr-FR" dirty="0" smtClean="0"/>
+          </a:p>
+          <a:p>
+            <a:endParaRPr lang="fr-FR" dirty="0"/>
+          </a:p>
+          <a:p>
+            <a:endParaRPr lang="fr-FR" dirty="0" smtClean="0"/>
+          </a:p>
+          <a:p>
+            <a:endParaRPr lang="fr-FR" dirty="0"/>
+          </a:p>
+          <a:p>
+            <a:endParaRPr lang="fr-FR" dirty="0" smtClean="0"/>
+          </a:p>
+          <a:p>
+            <a:endParaRPr lang="fr-FR" dirty="0"/>
+          </a:p>
+          <a:p>
+            <a:endParaRPr lang="fr-FR" dirty="0" smtClean="0"/>
+          </a:p>
+          <a:p>
+            <a:endParaRPr lang="fr-FR" dirty="0"/>
+          </a:p>
+          <a:p>
+            <a:r>
+              <a:rPr lang="fr-FR" dirty="0" smtClean="0"/>
+              <a:t>Important </a:t>
+            </a:r>
+          </a:p>
+          <a:p>
+            <a:endParaRPr lang="fr-FR" dirty="0" smtClean="0"/>
+          </a:p>
+          <a:p>
+            <a:endParaRPr lang="fr-FR" dirty="0"/>
+          </a:p>
+          <a:p>
+            <a:endParaRPr lang="fr-FR" dirty="0" smtClean="0"/>
+          </a:p>
+          <a:p>
+            <a:endParaRPr lang="fr-FR" dirty="0"/>
+          </a:p>
+          <a:p>
+            <a:endParaRPr lang="fr-FR" dirty="0" smtClean="0"/>
+          </a:p>
+          <a:p>
+            <a:endParaRPr lang="fr-FR" dirty="0"/>
+          </a:p>
+        </p:txBody>
+      </p:sp>
+      <p:pic>
+        <p:nvPicPr>
+          <p:cNvPr id="8" name="Image 7"/>
+          <p:cNvPicPr>
+            <a:picLocks noChangeAspect="1"/>
+          </p:cNvPicPr>
+          <p:nvPr/>
+        </p:nvPicPr>
+        <p:blipFill>
+          <a:blip r:embed="rId3"/>
+          <a:stretch>
+            <a:fillRect/>
+          </a:stretch>
+        </p:blipFill>
+        <p:spPr>
+          <a:xfrm>
+            <a:off x="1845598" y="5725232"/>
+            <a:ext cx="7818225" cy="652727"/>
+          </a:xfrm>
+          <a:prstGeom prst="rect">
+            <a:avLst/>
+          </a:prstGeom>
+        </p:spPr>
+      </p:pic>
+      <p:pic>
+        <p:nvPicPr>
+          <p:cNvPr id="9" name="Image 8"/>
+          <p:cNvPicPr>
+            <a:picLocks noChangeAspect="1"/>
+          </p:cNvPicPr>
+          <p:nvPr/>
+        </p:nvPicPr>
+        <p:blipFill>
+          <a:blip r:embed="rId4"/>
+          <a:stretch>
+            <a:fillRect/>
+          </a:stretch>
+        </p:blipFill>
+        <p:spPr>
+          <a:xfrm>
+            <a:off x="1845597" y="2096306"/>
+            <a:ext cx="7966945" cy="1027222"/>
+          </a:xfrm>
+          <a:prstGeom prst="rect">
+            <a:avLst/>
+          </a:prstGeom>
+        </p:spPr>
+      </p:pic>
+      <p:pic>
+        <p:nvPicPr>
+          <p:cNvPr id="11" name="Image 10"/>
+          <p:cNvPicPr>
+            <a:picLocks noChangeAspect="1"/>
+          </p:cNvPicPr>
+          <p:nvPr/>
+        </p:nvPicPr>
+        <p:blipFill>
+          <a:blip r:embed="rId5"/>
+          <a:stretch>
+            <a:fillRect/>
+          </a:stretch>
+        </p:blipFill>
+        <p:spPr>
+          <a:xfrm>
+            <a:off x="1976125" y="3320355"/>
+            <a:ext cx="7557169" cy="1948954"/>
+          </a:xfrm>
+          <a:prstGeom prst="rect">
+            <a:avLst/>
+          </a:prstGeom>
+        </p:spPr>
+      </p:pic>
+      <p:sp>
+        <p:nvSpPr>
+          <p:cNvPr id="4" name="Espace réservé du numéro de diapositive 3"/>
+          <p:cNvSpPr>
+            <a:spLocks noGrp="1"/>
+          </p:cNvSpPr>
+          <p:nvPr>
+            <p:ph type="sldNum" sz="quarter" idx="12"/>
+          </p:nvPr>
+        </p:nvSpPr>
+        <p:spPr/>
+        <p:txBody>
+          <a:bodyPr/>
+          <a:lstStyle/>
+          <a:p>
+            <a:fld id="{2F26E896-8B5D-4594-842C-5B66D894C6AB}" type="slidenum">
+              <a:rPr lang="fr-FR" smtClean="0"/>
+              <a:t>5</a:t>
+            </a:fld>
+            <a:endParaRPr lang="fr-FR"/>
+          </a:p>
+        </p:txBody>
+      </p:sp>
+    </p:spTree>
+    <p:extLst>
+      <p:ext uri="{BB962C8B-B14F-4D97-AF65-F5344CB8AC3E}">
+        <p14:creationId xmlns:p14="http://schemas.microsoft.com/office/powerpoint/2010/main" val="3704829510"/>
+      </p:ext>
+    </p:extLst>
+  </p:cSld>
+  <p:clrMapOvr>
+    <a:masterClrMapping/>
+  </p:clrMapOvr>
+  <p:timing>
+    <p:tnLst>
+      <p:par>
+        <p:cTn id="1" dur="indefinite" restart="never" nodeType="tmRoot"/>
+      </p:par>
+    </p:tnLst>
+  </p:timing>
+</p:sld>
+</file>
+
+<file path=ppt/slides/slide6.xml><?xml version="1.0" encoding="utf-8"?>
+<p:sld xmlns:a="http://schemas.openxmlformats.org/drawingml/2006/main" xmlns:r="http://schemas.openxmlformats.org/officeDocument/2006/relationships" xmlns:p="http://schemas.openxmlformats.org/presentationml/2006/main">
+  <p:cSld>
+    <p:spTree>
+      <p:nvGrpSpPr>
+        <p:cNvPr id="1" name=""/>
+        <p:cNvGrpSpPr/>
+        <p:nvPr/>
+      </p:nvGrpSpPr>
+      <p:grpSpPr>
+        <a:xfrm>
+          <a:off x="0" y="0"/>
+          <a:ext cx="0" cy="0"/>
+          <a:chOff x="0" y="0"/>
+          <a:chExt cx="0" cy="0"/>
+        </a:xfrm>
+      </p:grpSpPr>
+      <p:sp>
+        <p:nvSpPr>
+          <p:cNvPr id="2" name="Titre 1"/>
+          <p:cNvSpPr>
+            <a:spLocks noGrp="1"/>
+          </p:cNvSpPr>
+          <p:nvPr>
+            <p:ph type="title"/>
+          </p:nvPr>
+        </p:nvSpPr>
+        <p:spPr/>
+        <p:txBody>
+          <a:bodyPr/>
+          <a:lstStyle/>
+          <a:p>
+            <a:r>
+              <a:rPr lang="fr-FR" dirty="0" smtClean="0"/>
+              <a:t>GESTION DES CAMPUS</a:t>
+            </a:r>
+            <a:br>
+              <a:rPr lang="fr-FR" dirty="0" smtClean="0"/>
+            </a:br>
+            <a:r>
+              <a:rPr lang="fr-FR" sz="1800" dirty="0" smtClean="0"/>
+              <a:t>Première fonction de récupération des données</a:t>
+            </a:r>
+            <a:endParaRPr lang="fr-FR" sz="1800" dirty="0"/>
+          </a:p>
+        </p:txBody>
+      </p:sp>
+      <p:sp>
+        <p:nvSpPr>
+          <p:cNvPr id="3" name="Espace réservé du contenu 2"/>
+          <p:cNvSpPr>
+            <a:spLocks noGrp="1"/>
+          </p:cNvSpPr>
+          <p:nvPr>
+            <p:ph idx="1"/>
+          </p:nvPr>
+        </p:nvSpPr>
+        <p:spPr>
+          <a:xfrm>
+            <a:off x="1104293" y="1853248"/>
+            <a:ext cx="8946541" cy="4587033"/>
+          </a:xfrm>
+        </p:spPr>
+        <p:txBody>
+          <a:bodyPr/>
+          <a:lstStyle/>
+          <a:p>
+            <a:r>
+              <a:rPr lang="fr-FR" dirty="0" smtClean="0"/>
+              <a:t>La fenêtre modale ne contient pas les données du Campus </a:t>
+            </a:r>
+          </a:p>
+          <a:p>
+            <a:endParaRPr lang="fr-FR" dirty="0"/>
+          </a:p>
+          <a:p>
+            <a:endParaRPr lang="fr-FR" dirty="0" smtClean="0"/>
+          </a:p>
+          <a:p>
+            <a:endParaRPr lang="fr-FR" dirty="0"/>
+          </a:p>
+          <a:p>
+            <a:endParaRPr lang="fr-FR" dirty="0" smtClean="0"/>
+          </a:p>
+          <a:p>
+            <a:endParaRPr lang="fr-FR" dirty="0"/>
+          </a:p>
+          <a:p>
+            <a:endParaRPr lang="fr-FR" dirty="0" smtClean="0"/>
+          </a:p>
+          <a:p>
+            <a:r>
+              <a:rPr lang="fr-FR" dirty="0" smtClean="0"/>
+              <a:t>La confirmation du pop-up déclenche la mise à jour </a:t>
+            </a:r>
+            <a:endParaRPr lang="fr-FR" dirty="0"/>
+          </a:p>
+          <a:p>
+            <a:endParaRPr lang="fr-FR" dirty="0" smtClean="0"/>
+          </a:p>
+          <a:p>
+            <a:endParaRPr lang="fr-FR" dirty="0"/>
+          </a:p>
+        </p:txBody>
+      </p:sp>
+      <p:pic>
+        <p:nvPicPr>
+          <p:cNvPr id="5" name="Image 4"/>
+          <p:cNvPicPr>
+            <a:picLocks noChangeAspect="1"/>
+          </p:cNvPicPr>
+          <p:nvPr/>
+        </p:nvPicPr>
+        <p:blipFill>
+          <a:blip r:embed="rId2"/>
+          <a:stretch>
+            <a:fillRect/>
+          </a:stretch>
+        </p:blipFill>
+        <p:spPr>
+          <a:xfrm>
+            <a:off x="1835917" y="5287878"/>
+            <a:ext cx="2806345" cy="1356787"/>
+          </a:xfrm>
+          <a:prstGeom prst="rect">
+            <a:avLst/>
+          </a:prstGeom>
+        </p:spPr>
+      </p:pic>
+      <p:pic>
+        <p:nvPicPr>
+          <p:cNvPr id="6" name="Image 5"/>
+          <p:cNvPicPr>
+            <a:picLocks noChangeAspect="1"/>
+          </p:cNvPicPr>
+          <p:nvPr/>
+        </p:nvPicPr>
+        <p:blipFill>
+          <a:blip r:embed="rId3"/>
+          <a:stretch>
+            <a:fillRect/>
+          </a:stretch>
+        </p:blipFill>
+        <p:spPr>
+          <a:xfrm>
+            <a:off x="2649432" y="2418694"/>
+            <a:ext cx="6627677" cy="2303738"/>
+          </a:xfrm>
+          <a:prstGeom prst="rect">
+            <a:avLst/>
+          </a:prstGeom>
+        </p:spPr>
+      </p:pic>
+      <p:pic>
+        <p:nvPicPr>
+          <p:cNvPr id="4" name="Image 3"/>
+          <p:cNvPicPr>
+            <a:picLocks noChangeAspect="1"/>
+          </p:cNvPicPr>
+          <p:nvPr/>
+        </p:nvPicPr>
+        <p:blipFill>
+          <a:blip r:embed="rId4"/>
+          <a:stretch>
+            <a:fillRect/>
+          </a:stretch>
+        </p:blipFill>
+        <p:spPr>
+          <a:xfrm>
+            <a:off x="5743977" y="5361940"/>
+            <a:ext cx="3287761" cy="1282725"/>
+          </a:xfrm>
+          <a:prstGeom prst="rect">
+            <a:avLst/>
+          </a:prstGeom>
+        </p:spPr>
+      </p:pic>
+      <p:sp>
+        <p:nvSpPr>
+          <p:cNvPr id="7" name="Espace réservé du numéro de diapositive 6"/>
+          <p:cNvSpPr>
+            <a:spLocks noGrp="1"/>
+          </p:cNvSpPr>
+          <p:nvPr>
+            <p:ph type="sldNum" sz="quarter" idx="12"/>
+          </p:nvPr>
+        </p:nvSpPr>
+        <p:spPr/>
+        <p:txBody>
+          <a:bodyPr/>
+          <a:lstStyle/>
+          <a:p>
+            <a:fld id="{2F26E896-8B5D-4594-842C-5B66D894C6AB}" type="slidenum">
+              <a:rPr lang="fr-FR" smtClean="0"/>
+              <a:t>6</a:t>
+            </a:fld>
+            <a:endParaRPr lang="fr-FR"/>
+          </a:p>
+        </p:txBody>
+      </p:sp>
+    </p:spTree>
+    <p:extLst>
+      <p:ext uri="{BB962C8B-B14F-4D97-AF65-F5344CB8AC3E}">
+        <p14:creationId xmlns:p14="http://schemas.microsoft.com/office/powerpoint/2010/main" val="1720625667"/>
+      </p:ext>
+    </p:extLst>
+  </p:cSld>
+  <p:clrMapOvr>
+    <a:masterClrMapping/>
+  </p:clrMapOvr>
+  <p:timing>
+    <p:tnLst>
+      <p:par>
+        <p:cTn id="1" dur="indefinite" restart="never" nodeType="tmRoot"/>
+      </p:par>
+    </p:tnLst>
+  </p:timing>
+</p:sld>
+</file>
+
+<file path=ppt/slides/slide7.xml><?xml version="1.0" encoding="utf-8"?>
+<p:sld xmlns:a="http://schemas.openxmlformats.org/drawingml/2006/main" xmlns:r="http://schemas.openxmlformats.org/officeDocument/2006/relationships" xmlns:p="http://schemas.openxmlformats.org/presentationml/2006/main">
+  <p:cSld>
+    <p:spTree>
+      <p:nvGrpSpPr>
+        <p:cNvPr id="1" name=""/>
+        <p:cNvGrpSpPr/>
+        <p:nvPr/>
+      </p:nvGrpSpPr>
+      <p:grpSpPr>
+        <a:xfrm>
+          <a:off x="0" y="0"/>
+          <a:ext cx="0" cy="0"/>
+          <a:chOff x="0" y="0"/>
+          <a:chExt cx="0" cy="0"/>
+        </a:xfrm>
+      </p:grpSpPr>
+      <p:sp>
+        <p:nvSpPr>
+          <p:cNvPr id="2" name="Titre 1"/>
+          <p:cNvSpPr>
+            <a:spLocks noGrp="1"/>
+          </p:cNvSpPr>
+          <p:nvPr>
+            <p:ph type="title"/>
+          </p:nvPr>
+        </p:nvSpPr>
+        <p:spPr/>
+        <p:txBody>
+          <a:bodyPr/>
+          <a:lstStyle/>
+          <a:p>
+            <a:r>
+              <a:rPr lang="fr-FR" dirty="0" smtClean="0"/>
+              <a:t>GESTION DES CAMPUS</a:t>
+            </a:r>
+            <a:br>
+              <a:rPr lang="fr-FR" dirty="0" smtClean="0"/>
+            </a:br>
+            <a:r>
+              <a:rPr lang="fr-FR" sz="1800" dirty="0" smtClean="0"/>
+              <a:t>Fenêtres modales</a:t>
+            </a:r>
+            <a:endParaRPr lang="fr-FR" dirty="0"/>
+          </a:p>
+        </p:txBody>
+      </p:sp>
+      <p:pic>
+        <p:nvPicPr>
+          <p:cNvPr id="7" name="Espace réservé du contenu 6"/>
+          <p:cNvPicPr>
+            <a:picLocks noGrp="1" noChangeAspect="1"/>
+          </p:cNvPicPr>
+          <p:nvPr>
+            <p:ph idx="1"/>
+          </p:nvPr>
+        </p:nvPicPr>
+        <p:blipFill>
+          <a:blip r:embed="rId2"/>
+          <a:stretch>
+            <a:fillRect/>
+          </a:stretch>
+        </p:blipFill>
+        <p:spPr>
+          <a:xfrm>
+            <a:off x="646111" y="1719208"/>
+            <a:ext cx="5375551" cy="2755887"/>
+          </a:xfrm>
+          <a:prstGeom prst="rect">
+            <a:avLst/>
+          </a:prstGeom>
+        </p:spPr>
+      </p:pic>
+      <p:sp>
+        <p:nvSpPr>
+          <p:cNvPr id="4" name="Espace réservé du numéro de diapositive 3"/>
+          <p:cNvSpPr>
+            <a:spLocks noGrp="1"/>
+          </p:cNvSpPr>
+          <p:nvPr>
+            <p:ph type="sldNum" sz="quarter" idx="12"/>
+          </p:nvPr>
+        </p:nvSpPr>
+        <p:spPr/>
+        <p:txBody>
+          <a:bodyPr/>
+          <a:lstStyle/>
+          <a:p>
+            <a:fld id="{2F26E896-8B5D-4594-842C-5B66D894C6AB}" type="slidenum">
+              <a:rPr lang="fr-FR" smtClean="0"/>
+              <a:t>7</a:t>
+            </a:fld>
+            <a:endParaRPr lang="fr-FR"/>
+          </a:p>
+        </p:txBody>
+      </p:sp>
+      <p:pic>
+        <p:nvPicPr>
+          <p:cNvPr id="8" name="Image 7"/>
+          <p:cNvPicPr>
+            <a:picLocks noChangeAspect="1"/>
+          </p:cNvPicPr>
+          <p:nvPr/>
+        </p:nvPicPr>
+        <p:blipFill>
+          <a:blip r:embed="rId3"/>
+          <a:stretch>
+            <a:fillRect/>
+          </a:stretch>
+        </p:blipFill>
+        <p:spPr>
+          <a:xfrm>
+            <a:off x="6021662" y="3798278"/>
+            <a:ext cx="5674416" cy="2815128"/>
+          </a:xfrm>
+          <a:prstGeom prst="rect">
+            <a:avLst/>
+          </a:prstGeom>
+        </p:spPr>
+      </p:pic>
+    </p:spTree>
+    <p:extLst>
+      <p:ext uri="{BB962C8B-B14F-4D97-AF65-F5344CB8AC3E}">
+        <p14:creationId xmlns:p14="http://schemas.microsoft.com/office/powerpoint/2010/main" val="1517210473"/>
       </p:ext>
     </p:extLst>
   </p:cSld>
@@ -7068,7 +8523,7 @@
             </a:br>
             <a:r>
               <a:rPr lang="fr-FR" sz="1800" dirty="0" smtClean="0"/>
-              <a:t>Mise à jour de la page sans rechargement</a:t>
+              <a:t>Appel AJAX</a:t>
             </a:r>
             <a:endParaRPr lang="fr-FR" dirty="0"/>
           </a:p>
@@ -7091,16 +8546,13 @@
           <a:p>
             <a:r>
               <a:rPr lang="fr-FR" dirty="0" smtClean="0"/>
-              <a:t>La fonction </a:t>
-            </a:r>
-            <a:r>
-              <a:rPr lang="fr-FR" dirty="0" err="1" smtClean="0"/>
-              <a:t>Javascript</a:t>
+              <a:t>Les données sont maintenant présentes dans la fenêtre </a:t>
             </a:r>
             <a:r>
               <a:rPr lang="fr-FR" dirty="0" smtClean="0"/>
-              <a:t> peut s’achever</a:t>
-            </a:r>
+              <a:t>modale</a:t>
+            </a:r>
+            <a:endParaRPr lang="fr-FR" dirty="0" smtClean="0"/>
           </a:p>
           <a:p>
             <a:endParaRPr lang="fr-FR" dirty="0"/>
@@ -7109,6 +8561,22 @@
             <a:endParaRPr lang="fr-FR" dirty="0" smtClean="0"/>
           </a:p>
           <a:p>
+            <a:pPr marL="0" indent="0">
+              <a:buNone/>
+            </a:pPr>
+            <a:endParaRPr lang="fr-FR" dirty="0" smtClean="0"/>
+          </a:p>
+          <a:p>
+            <a:r>
+              <a:rPr lang="fr-FR" dirty="0" smtClean="0"/>
+              <a:t> </a:t>
+            </a:r>
+            <a:r>
+              <a:rPr lang="fr-FR" dirty="0" smtClean="0"/>
+              <a:t>2 méthodes pour l’url de l’appel AJAX : Référence au HTML</a:t>
+            </a:r>
+          </a:p>
+          <a:p>
             <a:endParaRPr lang="fr-FR" dirty="0"/>
           </a:p>
           <a:p>
@@ -7118,23 +8586,25 @@
             <a:endParaRPr lang="fr-FR" dirty="0" smtClean="0"/>
           </a:p>
           <a:p>
+            <a:pPr marL="0" indent="0">
+              <a:buNone/>
+            </a:pPr>
             <a:endParaRPr lang="fr-FR" dirty="0"/>
           </a:p>
           <a:p>
-            <a:endParaRPr lang="fr-FR" dirty="0"/>
-          </a:p>
-          <a:p>
-            <a:r>
-              <a:rPr lang="fr-FR" dirty="0" smtClean="0"/>
-              <a:t>Le tableau est mis à jour de façon dynamique </a:t>
-            </a:r>
+            <a:endParaRPr lang="fr-FR" dirty="0" smtClean="0"/>
+          </a:p>
+          <a:p>
+            <a:pPr marL="0" indent="0">
+              <a:buNone/>
+            </a:pPr>
             <a:endParaRPr lang="fr-FR" dirty="0"/>
           </a:p>
         </p:txBody>
       </p:sp>
       <p:pic>
         <p:nvPicPr>
-          <p:cNvPr id="5" name="Image 4"/>
+          <p:cNvPr id="10" name="Image 9"/>
           <p:cNvPicPr>
             <a:picLocks noChangeAspect="1"/>
           </p:cNvPicPr>
@@ -7148,18 +8618,89 @@
         </p:blipFill>
         <p:spPr>
           <a:xfrm>
-            <a:off x="2150862" y="2792172"/>
-            <a:ext cx="7184461" cy="2581685"/>
+            <a:off x="2498501" y="2497295"/>
+            <a:ext cx="5519290" cy="1221290"/>
           </a:xfrm>
           <a:prstGeom prst="rect">
             <a:avLst/>
           </a:prstGeom>
         </p:spPr>
       </p:pic>
+      <p:pic>
+        <p:nvPicPr>
+          <p:cNvPr id="11" name="Image 10"/>
+          <p:cNvPicPr>
+            <a:picLocks noChangeAspect="1"/>
+          </p:cNvPicPr>
+          <p:nvPr/>
+        </p:nvPicPr>
+        <p:blipFill>
+          <a:blip r:embed="rId3"/>
+          <a:stretch>
+            <a:fillRect/>
+          </a:stretch>
+        </p:blipFill>
+        <p:spPr>
+          <a:xfrm>
+            <a:off x="2498501" y="4195605"/>
+            <a:ext cx="5263547" cy="1428677"/>
+          </a:xfrm>
+          <a:prstGeom prst="rect">
+            <a:avLst/>
+          </a:prstGeom>
+        </p:spPr>
+      </p:pic>
+      <p:pic>
+        <p:nvPicPr>
+          <p:cNvPr id="4" name="Image 3"/>
+          <p:cNvPicPr>
+            <a:picLocks noChangeAspect="1"/>
+          </p:cNvPicPr>
+          <p:nvPr/>
+        </p:nvPicPr>
+        <p:blipFill>
+          <a:blip r:embed="rId4"/>
+          <a:stretch>
+            <a:fillRect/>
+          </a:stretch>
+        </p:blipFill>
+        <p:spPr>
+          <a:xfrm>
+            <a:off x="1103312" y="5804273"/>
+            <a:ext cx="9537905" cy="594057"/>
+          </a:xfrm>
+          <a:prstGeom prst="rect">
+            <a:avLst/>
+          </a:prstGeom>
+        </p:spPr>
+      </p:pic>
+      <p:sp>
+        <p:nvSpPr>
+          <p:cNvPr id="5" name="Espace réservé du numéro de diapositive 4"/>
+          <p:cNvSpPr>
+            <a:spLocks noGrp="1"/>
+          </p:cNvSpPr>
+          <p:nvPr>
+            <p:ph type="sldNum" sz="quarter" idx="12"/>
+          </p:nvPr>
+        </p:nvSpPr>
+        <p:spPr/>
+        <p:txBody>
+          <a:bodyPr/>
+          <a:lstStyle/>
+          <a:p>
+            <a:fld id="{2F26E896-8B5D-4594-842C-5B66D894C6AB}" type="slidenum">
+              <a:rPr lang="fr-FR" smtClean="0"/>
+              <a:t>8</a:t>
+            </a:fld>
+            <a:endParaRPr lang="fr-FR"/>
+          </a:p>
+        </p:txBody>
+      </p:sp>
     </p:spTree>
     <p:extLst>
       <p:ext uri="{BB962C8B-B14F-4D97-AF65-F5344CB8AC3E}">
-        <p14:creationId xmlns:p14="http://schemas.microsoft.com/office/powerpoint/2010/main" val="1658657105"/>
+        <p14:creationId xmlns:p14="http://schemas.microsoft.com/office/powerpoint/2010/main" val="1091411790"/>
       </p:ext>
     </p:extLst>
   </p:cSld>
@@ -7210,7 +8751,18 @@
           <a:p>
             <a:r>
               <a:rPr lang="fr-FR" dirty="0" smtClean="0"/>
-              <a:t>FIN DE LA PRESENTATION	</a:t>
+              <a:t>GESTION DES CAMPUS</a:t>
+            </a:r>
+            <a:br>
+              <a:rPr lang="fr-FR" dirty="0" smtClean="0"/>
+            </a:br>
+            <a:r>
+              <a:rPr lang="fr-FR" sz="1800" dirty="0" smtClean="0"/>
+              <a:t>Le Bundle FOS </a:t>
+            </a:r>
+            <a:r>
+              <a:rPr lang="fr-FR" sz="1800" dirty="0" err="1" smtClean="0"/>
+              <a:t>JsRouting</a:t>
             </a:r>
             <a:endParaRPr lang="fr-FR" dirty="0"/>
           </a:p>
@@ -7231,35 +8783,69 @@
           <a:bodyPr/>
           <a:lstStyle/>
           <a:p>
-            <a:pPr algn="ctr"/>
-            <a:endParaRPr lang="fr-FR" dirty="0" smtClean="0"/>
-          </a:p>
-          <a:p>
-            <a:pPr algn="ctr"/>
+            <a:r>
+              <a:rPr lang="fr-FR" dirty="0" smtClean="0"/>
+              <a:t>Un Bundle à installer : possibilité d’utiliser des Routes en fichier </a:t>
+            </a:r>
+            <a:r>
+              <a:rPr lang="fr-FR" dirty="0" err="1" smtClean="0"/>
+              <a:t>Javascript</a:t>
+            </a:r>
             <a:endParaRPr lang="fr-FR" dirty="0"/>
           </a:p>
-          <a:p>
-            <a:pPr algn="ctr"/>
-            <a:endParaRPr lang="fr-FR" dirty="0" smtClean="0"/>
-          </a:p>
-          <a:p>
-            <a:pPr algn="ctr"/>
-            <a:endParaRPr lang="fr-FR" dirty="0"/>
-          </a:p>
-          <a:p>
-            <a:pPr algn="ctr"/>
-            <a:r>
-              <a:rPr lang="fr-FR" dirty="0" smtClean="0"/>
-              <a:t>Merci pour votre attention.</a:t>
-            </a:r>
-            <a:endParaRPr lang="fr-FR" dirty="0"/>
-          </a:p>
-        </p:txBody>
-      </p:sp>
+        </p:txBody>
+      </p:sp>
+      <p:sp>
+        <p:nvSpPr>
+          <p:cNvPr id="4" name="Espace réservé du numéro de diapositive 3"/>
+          <p:cNvSpPr>
+            <a:spLocks noGrp="1"/>
+          </p:cNvSpPr>
+          <p:nvPr>
+            <p:ph type="sldNum" sz="quarter" idx="12"/>
+          </p:nvPr>
+        </p:nvSpPr>
+        <p:spPr/>
+        <p:txBody>
+          <a:bodyPr/>
+          <a:lstStyle/>
+          <a:p>
+            <a:fld id="{2F26E896-8B5D-4594-842C-5B66D894C6AB}" type="slidenum">
+              <a:rPr lang="fr-FR" smtClean="0"/>
+              <a:t>9</a:t>
+            </a:fld>
+            <a:endParaRPr lang="fr-FR"/>
+          </a:p>
+        </p:txBody>
+      </p:sp>
+      <p:pic>
+        <p:nvPicPr>
+          <p:cNvPr id="6" name="Image 5"/>
+          <p:cNvPicPr>
+            <a:picLocks noChangeAspect="1"/>
+          </p:cNvPicPr>
+          <p:nvPr/>
+        </p:nvPicPr>
+        <p:blipFill>
+          <a:blip r:embed="rId2"/>
+          <a:stretch>
+            <a:fillRect/>
+          </a:stretch>
+        </p:blipFill>
+        <p:spPr>
+          <a:xfrm>
+            <a:off x="1605022" y="3338423"/>
+            <a:ext cx="8747518" cy="2049504"/>
+          </a:xfrm>
+          <a:prstGeom prst="rect">
+            <a:avLst/>
+          </a:prstGeom>
+        </p:spPr>
+      </p:pic>
     </p:spTree>
     <p:extLst>
       <p:ext uri="{BB962C8B-B14F-4D97-AF65-F5344CB8AC3E}">
-        <p14:creationId xmlns:p14="http://schemas.microsoft.com/office/powerpoint/2010/main" val="563868093"/>
+        <p14:creationId xmlns:p14="http://schemas.microsoft.com/office/powerpoint/2010/main" val="721503837"/>
       </p:ext>
     </p:extLst>
   </p:cSld>
@@ -7539,4 +9125,526 @@
     </a:ext>
   </a:extLst>
 </a:theme>
+</file>
+
+<file path=ppt/theme/theme2.xml><?xml version="1.0" encoding="utf-8"?>
+<a:theme xmlns:a="http://schemas.openxmlformats.org/drawingml/2006/main" name="Thème Office">
+  <a:themeElements>
+    <a:clrScheme name="Office">
+      <a:dk1>
+        <a:sysClr val="windowText" lastClr="000000"/>
+      </a:dk1>
+      <a:lt1>
+        <a:sysClr val="window" lastClr="FFFFFF"/>
+      </a:lt1>
+      <a:dk2>
+        <a:srgbClr val="44546A"/>
+      </a:dk2>
+      <a:lt2>
+        <a:srgbClr val="E7E6E6"/>
+      </a:lt2>
+      <a:accent1>
+        <a:srgbClr val="5B9BD5"/>
+      </a:accent1>
+      <a:accent2>
+        <a:srgbClr val="ED7D31"/>
+      </a:accent2>
+      <a:accent3>
+        <a:srgbClr val="A5A5A5"/>
+      </a:accent3>
+      <a:accent4>
+        <a:srgbClr val="FFC000"/>
+      </a:accent4>
+      <a:accent5>
+        <a:srgbClr val="4472C4"/>
+      </a:accent5>
+      <a:accent6>
+        <a:srgbClr val="70AD47"/>
+      </a:accent6>
+      <a:hlink>
+        <a:srgbClr val="0563C1"/>
+      </a:hlink>
+      <a:folHlink>
+        <a:srgbClr val="954F72"/>
+      </a:folHlink>
+    </a:clrScheme>
+    <a:fontScheme name="Office">
+      <a:majorFont>
+        <a:latin typeface="Calibri Light" panose="020F0302020204030204"/>
+        <a:ea typeface=""/>
+        <a:cs typeface=""/>
+        <a:font script="Jpan" typeface="ＭＳ Ｐゴシック"/>
+        <a:font script="Hang" typeface="맑은 고딕"/>
+        <a:font script="Hans" typeface="宋体"/>
+        <a:font script="Hant" typeface="新細明體"/>
+        <a:font script="Arab" typeface="Times New Roman"/>
+        <a:font script="Hebr" typeface="Times New Roman"/>
+        <a:font script="Thai" typeface="Angsana New"/>
+        <a:font script="Ethi" typeface="Nyala"/>
+        <a:font script="Beng" typeface="Vrinda"/>
+        <a:font script="Gujr" typeface="Shruti"/>
+        <a:font script="Khmr" typeface="MoolBoran"/>
+        <a:font script="Knda" typeface="Tunga"/>
+        <a:font script="Guru" typeface="Raavi"/>
+        <a:font script="Cans" typeface="Euphemia"/>
+        <a:font script="Cher" typeface="Plantagenet Cherokee"/>
+        <a:font script="Yiii" typeface="Microsoft Yi Baiti"/>
+        <a:font script="Tibt" typeface="Microsoft Himalaya"/>
+        <a:font script="Thaa" typeface="MV Boli"/>
+        <a:font script="Deva" typeface="Mangal"/>
+        <a:font script="Telu" typeface="Gautami"/>
+        <a:font script="Taml" typeface="Latha"/>
+        <a:font script="Syrc" typeface="Estrangelo Edessa"/>
+        <a:font script="Orya" typeface="Kalinga"/>
+        <a:font script="Mlym" typeface="Kartika"/>
+        <a:font script="Laoo" typeface="DokChampa"/>
+        <a:font script="Sinh" typeface="Iskoola Pota"/>
+        <a:font script="Mong" typeface="Mongolian Baiti"/>
+        <a:font script="Viet" typeface="Times New Roman"/>
+        <a:font script="Uigh" typeface="Microsoft Uighur"/>
+        <a:font script="Geor" typeface="Sylfaen"/>
+      </a:majorFont>
+      <a:minorFont>
+        <a:latin typeface="Calibri" panose="020F0502020204030204"/>
+        <a:ea typeface=""/>
+        <a:cs typeface=""/>
+        <a:font script="Jpan" typeface="ＭＳ Ｐゴシック"/>
+        <a:font script="Hang" typeface="맑은 고딕"/>
+        <a:font script="Hans" typeface="宋体"/>
+        <a:font script="Hant" typeface="新細明體"/>
+        <a:font script="Arab" typeface="Arial"/>
+        <a:font script="Hebr" typeface="Arial"/>
+        <a:font script="Thai" typeface="Cordia New"/>
+        <a:font script="Ethi" typeface="Nyala"/>
+        <a:font script="Beng" typeface="Vrinda"/>
+        <a:font script="Gujr" typeface="Shruti"/>
+        <a:font script="Khmr" typeface="DaunPenh"/>
+        <a:font script="Knda" typeface="Tunga"/>
+        <a:font script="Guru" typeface="Raavi"/>
+        <a:font script="Cans" typeface="Euphemia"/>
+        <a:font script="Cher" typeface="Plantagenet Cherokee"/>
+        <a:font script="Yiii" typeface="Microsoft Yi Baiti"/>
+        <a:font script="Tibt" typeface="Microsoft Himalaya"/>
+        <a:font script="Thaa" typeface="MV Boli"/>
+        <a:font script="Deva" typeface="Mangal"/>
+        <a:font script="Telu" typeface="Gautami"/>
+        <a:font script="Taml" typeface="Latha"/>
+        <a:font script="Syrc" typeface="Estrangelo Edessa"/>
+        <a:font script="Orya" typeface="Kalinga"/>
+        <a:font script="Mlym" typeface="Kartika"/>
+        <a:font script="Laoo" typeface="DokChampa"/>
+        <a:font script="Sinh" typeface="Iskoola Pota"/>
+        <a:font script="Mong" typeface="Mongolian Baiti"/>
+        <a:font script="Viet" typeface="Arial"/>
+        <a:font script="Uigh" typeface="Microsoft Uighur"/>
+        <a:font script="Geor" typeface="Sylfaen"/>
+      </a:minorFont>
+    </a:fontScheme>
+    <a:fmtScheme name="Office">
+      <a:fillStyleLst>
+        <a:solidFill>
+          <a:schemeClr val="phClr"/>
+        </a:solidFill>
+        <a:gradFill rotWithShape="1">
+          <a:gsLst>
+            <a:gs pos="0">
+              <a:schemeClr val="phClr">
+                <a:lumMod val="110000"/>
+                <a:satMod val="105000"/>
+                <a:tint val="67000"/>
+              </a:schemeClr>
+            </a:gs>
+            <a:gs pos="50000">
+              <a:schemeClr val="phClr">
+                <a:lumMod val="105000"/>
+                <a:satMod val="103000"/>
+                <a:tint val="73000"/>
+              </a:schemeClr>
+            </a:gs>
+            <a:gs pos="100000">
+              <a:schemeClr val="phClr">
+                <a:lumMod val="105000"/>
+                <a:satMod val="109000"/>
+                <a:tint val="81000"/>
+              </a:schemeClr>
+            </a:gs>
+          </a:gsLst>
+          <a:lin ang="5400000" scaled="0"/>
+        </a:gradFill>
+        <a:gradFill rotWithShape="1">
+          <a:gsLst>
+            <a:gs pos="0">
+              <a:schemeClr val="phClr">
+                <a:satMod val="103000"/>
+                <a:lumMod val="102000"/>
+                <a:tint val="94000"/>
+              </a:schemeClr>
+            </a:gs>
+            <a:gs pos="50000">
+              <a:schemeClr val="phClr">
+                <a:satMod val="110000"/>
+                <a:lumMod val="100000"/>
+                <a:shade val="100000"/>
+              </a:schemeClr>
+            </a:gs>
+            <a:gs pos="100000">
+              <a:schemeClr val="phClr">
+                <a:lumMod val="99000"/>
+                <a:satMod val="120000"/>
+                <a:shade val="78000"/>
+              </a:schemeClr>
+            </a:gs>
+          </a:gsLst>
+          <a:lin ang="5400000" scaled="0"/>
+        </a:gradFill>
+      </a:fillStyleLst>
+      <a:lnStyleLst>
+        <a:ln w="6350" cap="flat" cmpd="sng" algn="ctr">
+          <a:solidFill>
+            <a:schemeClr val="phClr"/>
+          </a:solidFill>
+          <a:prstDash val="solid"/>
+          <a:miter lim="800000"/>
+        </a:ln>
+        <a:ln w="12700" cap="flat" cmpd="sng" algn="ctr">
+          <a:solidFill>
+            <a:schemeClr val="phClr"/>
+          </a:solidFill>
+          <a:prstDash val="solid"/>
+          <a:miter lim="800000"/>
+        </a:ln>
+        <a:ln w="19050" cap="flat" cmpd="sng" algn="ctr">
+          <a:solidFill>
+            <a:schemeClr val="phClr"/>
+          </a:solidFill>
+          <a:prstDash val="solid"/>
+          <a:miter lim="800000"/>
+        </a:ln>
+      </a:lnStyleLst>
+      <a:effectStyleLst>
+        <a:effectStyle>
+          <a:effectLst/>
+        </a:effectStyle>
+        <a:effectStyle>
+          <a:effectLst/>
+        </a:effectStyle>
+        <a:effectStyle>
+          <a:effectLst>
+            <a:outerShdw blurRad="57150" dist="19050" dir="5400000" algn="ctr" rotWithShape="0">
+              <a:srgbClr val="000000">
+                <a:alpha val="63000"/>
+              </a:srgbClr>
+            </a:outerShdw>
+          </a:effectLst>
+        </a:effectStyle>
+      </a:effectStyleLst>
+      <a:bgFillStyleLst>
+        <a:solidFill>
+          <a:schemeClr val="phClr"/>
+        </a:solidFill>
+        <a:solidFill>
+          <a:schemeClr val="phClr">
+            <a:tint val="95000"/>
+            <a:satMod val="170000"/>
+          </a:schemeClr>
+        </a:solidFill>
+        <a:gradFill rotWithShape="1">
+          <a:gsLst>
+            <a:gs pos="0">
+              <a:schemeClr val="phClr">
+                <a:tint val="93000"/>
+                <a:satMod val="150000"/>
+                <a:shade val="98000"/>
+                <a:lumMod val="102000"/>
+              </a:schemeClr>
+            </a:gs>
+            <a:gs pos="50000">
+              <a:schemeClr val="phClr">
+                <a:tint val="98000"/>
+                <a:satMod val="130000"/>
+                <a:shade val="90000"/>
+                <a:lumMod val="103000"/>
+              </a:schemeClr>
+            </a:gs>
+            <a:gs pos="100000">
+              <a:schemeClr val="phClr">
+                <a:shade val="63000"/>
+                <a:satMod val="120000"/>
+              </a:schemeClr>
+            </a:gs>
+          </a:gsLst>
+          <a:lin ang="5400000" scaled="0"/>
+        </a:gradFill>
+      </a:bgFillStyleLst>
+    </a:fmtScheme>
+  </a:themeElements>
+  <a:objectDefaults/>
+  <a:extraClrSchemeLst/>
+  <a:extLst>
+    <a:ext uri="{05A4C25C-085E-4340-85A3-A5531E510DB2}">
+      <thm15:themeFamily xmlns:thm15="http://schemas.microsoft.com/office/thememl/2012/main" name="Office Theme" id="{62F939B6-93AF-4DB8-9C6B-D6C7DFDC589F}" vid="{4A3C46E8-61CC-4603-A589-7422A47A8E4A}"/>
+    </a:ext>
+  </a:extLst>
+</a:theme>
+</file>
+
+<file path=ppt/theme/theme3.xml><?xml version="1.0" encoding="utf-8"?>
+<a:theme xmlns:a="http://schemas.openxmlformats.org/drawingml/2006/main" name="Thème Office">
+  <a:themeElements>
+    <a:clrScheme name="Office">
+      <a:dk1>
+        <a:sysClr val="windowText" lastClr="000000"/>
+      </a:dk1>
+      <a:lt1>
+        <a:sysClr val="window" lastClr="FFFFFF"/>
+      </a:lt1>
+      <a:dk2>
+        <a:srgbClr val="44546A"/>
+      </a:dk2>
+      <a:lt2>
+        <a:srgbClr val="E7E6E6"/>
+      </a:lt2>
+      <a:accent1>
+        <a:srgbClr val="5B9BD5"/>
+      </a:accent1>
+      <a:accent2>
+        <a:srgbClr val="ED7D31"/>
+      </a:accent2>
+      <a:accent3>
+        <a:srgbClr val="A5A5A5"/>
+      </a:accent3>
+      <a:accent4>
+        <a:srgbClr val="FFC000"/>
+      </a:accent4>
+      <a:accent5>
+        <a:srgbClr val="4472C4"/>
+      </a:accent5>
+      <a:accent6>
+        <a:srgbClr val="70AD47"/>
+      </a:accent6>
+      <a:hlink>
+        <a:srgbClr val="0563C1"/>
+      </a:hlink>
+      <a:folHlink>
+        <a:srgbClr val="954F72"/>
+      </a:folHlink>
+    </a:clrScheme>
+    <a:fontScheme name="Office">
+      <a:majorFont>
+        <a:latin typeface="Calibri Light" panose="020F0302020204030204"/>
+        <a:ea typeface=""/>
+        <a:cs typeface=""/>
+        <a:font script="Jpan" typeface="ＭＳ Ｐゴシック"/>
+        <a:font script="Hang" typeface="맑은 고딕"/>
+        <a:font script="Hans" typeface="宋体"/>
+        <a:font script="Hant" typeface="新細明體"/>
+        <a:font script="Arab" typeface="Times New Roman"/>
+        <a:font script="Hebr" typeface="Times New Roman"/>
+        <a:font script="Thai" typeface="Angsana New"/>
+        <a:font script="Ethi" typeface="Nyala"/>
+        <a:font script="Beng" typeface="Vrinda"/>
+        <a:font script="Gujr" typeface="Shruti"/>
+        <a:font script="Khmr" typeface="MoolBoran"/>
+        <a:font script="Knda" typeface="Tunga"/>
+        <a:font script="Guru" typeface="Raavi"/>
+        <a:font script="Cans" typeface="Euphemia"/>
+        <a:font script="Cher" typeface="Plantagenet Cherokee"/>
+        <a:font script="Yiii" typeface="Microsoft Yi Baiti"/>
+        <a:font script="Tibt" typeface="Microsoft Himalaya"/>
+        <a:font script="Thaa" typeface="MV Boli"/>
+        <a:font script="Deva" typeface="Mangal"/>
+        <a:font script="Telu" typeface="Gautami"/>
+        <a:font script="Taml" typeface="Latha"/>
+        <a:font script="Syrc" typeface="Estrangelo Edessa"/>
+        <a:font script="Orya" typeface="Kalinga"/>
+        <a:font script="Mlym" typeface="Kartika"/>
+        <a:font script="Laoo" typeface="DokChampa"/>
+        <a:font script="Sinh" typeface="Iskoola Pota"/>
+        <a:font script="Mong" typeface="Mongolian Baiti"/>
+        <a:font script="Viet" typeface="Times New Roman"/>
+        <a:font script="Uigh" typeface="Microsoft Uighur"/>
+        <a:font script="Geor" typeface="Sylfaen"/>
+      </a:majorFont>
+      <a:minorFont>
+        <a:latin typeface="Calibri" panose="020F0502020204030204"/>
+        <a:ea typeface=""/>
+        <a:cs typeface=""/>
+        <a:font script="Jpan" typeface="ＭＳ Ｐゴシック"/>
+        <a:font script="Hang" typeface="맑은 고딕"/>
+        <a:font script="Hans" typeface="宋体"/>
+        <a:font script="Hant" typeface="新細明體"/>
+        <a:font script="Arab" typeface="Arial"/>
+        <a:font script="Hebr" typeface="Arial"/>
+        <a:font script="Thai" typeface="Cordia New"/>
+        <a:font script="Ethi" typeface="Nyala"/>
+        <a:font script="Beng" typeface="Vrinda"/>
+        <a:font script="Gujr" typeface="Shruti"/>
+        <a:font script="Khmr" typeface="DaunPenh"/>
+        <a:font script="Knda" typeface="Tunga"/>
+        <a:font script="Guru" typeface="Raavi"/>
+        <a:font script="Cans" typeface="Euphemia"/>
+        <a:font script="Cher" typeface="Plantagenet Cherokee"/>
+        <a:font script="Yiii" typeface="Microsoft Yi Baiti"/>
+        <a:font script="Tibt" typeface="Microsoft Himalaya"/>
+        <a:font script="Thaa" typeface="MV Boli"/>
+        <a:font script="Deva" typeface="Mangal"/>
+        <a:font script="Telu" typeface="Gautami"/>
+        <a:font script="Taml" typeface="Latha"/>
+        <a:font script="Syrc" typeface="Estrangelo Edessa"/>
+        <a:font script="Orya" typeface="Kalinga"/>
+        <a:font script="Mlym" typeface="Kartika"/>
+        <a:font script="Laoo" typeface="DokChampa"/>
+        <a:font script="Sinh" typeface="Iskoola Pota"/>
+        <a:font script="Mong" typeface="Mongolian Baiti"/>
+        <a:font script="Viet" typeface="Arial"/>
+        <a:font script="Uigh" typeface="Microsoft Uighur"/>
+        <a:font script="Geor" typeface="Sylfaen"/>
+      </a:minorFont>
+    </a:fontScheme>
+    <a:fmtScheme name="Office">
+      <a:fillStyleLst>
+        <a:solidFill>
+          <a:schemeClr val="phClr"/>
+        </a:solidFill>
+        <a:gradFill rotWithShape="1">
+          <a:gsLst>
+            <a:gs pos="0">
+              <a:schemeClr val="phClr">
+                <a:lumMod val="110000"/>
+                <a:satMod val="105000"/>
+                <a:tint val="67000"/>
+              </a:schemeClr>
+            </a:gs>
+            <a:gs pos="50000">
+              <a:schemeClr val="phClr">
+                <a:lumMod val="105000"/>
+                <a:satMod val="103000"/>
+                <a:tint val="73000"/>
+              </a:schemeClr>
+            </a:gs>
+            <a:gs pos="100000">
+              <a:schemeClr val="phClr">
+                <a:lumMod val="105000"/>
+                <a:satMod val="109000"/>
+                <a:tint val="81000"/>
+              </a:schemeClr>
+            </a:gs>
+          </a:gsLst>
+          <a:lin ang="5400000" scaled="0"/>
+        </a:gradFill>
+        <a:gradFill rotWithShape="1">
+          <a:gsLst>
+            <a:gs pos="0">
+              <a:schemeClr val="phClr">
+                <a:satMod val="103000"/>
+                <a:lumMod val="102000"/>
+                <a:tint val="94000"/>
+              </a:schemeClr>
+            </a:gs>
+            <a:gs pos="50000">
+              <a:schemeClr val="phClr">
+                <a:satMod val="110000"/>
+                <a:lumMod val="100000"/>
+                <a:shade val="100000"/>
+              </a:schemeClr>
+            </a:gs>
+            <a:gs pos="100000">
+              <a:schemeClr val="phClr">
+                <a:lumMod val="99000"/>
+                <a:satMod val="120000"/>
+                <a:shade val="78000"/>
+              </a:schemeClr>
+            </a:gs>
+          </a:gsLst>
+          <a:lin ang="5400000" scaled="0"/>
+        </a:gradFill>
+      </a:fillStyleLst>
+      <a:lnStyleLst>
+        <a:ln w="6350" cap="flat" cmpd="sng" algn="ctr">
+          <a:solidFill>
+            <a:schemeClr val="phClr"/>
+          </a:solidFill>
+          <a:prstDash val="solid"/>
+          <a:miter lim="800000"/>
+        </a:ln>
+        <a:ln w="12700" cap="flat" cmpd="sng" algn="ctr">
+          <a:solidFill>
+            <a:schemeClr val="phClr"/>
+          </a:solidFill>
+          <a:prstDash val="solid"/>
+          <a:miter lim="800000"/>
+        </a:ln>
+        <a:ln w="19050" cap="flat" cmpd="sng" algn="ctr">
+          <a:solidFill>
+            <a:schemeClr val="phClr"/>
+          </a:solidFill>
+          <a:prstDash val="solid"/>
+          <a:miter lim="800000"/>
+        </a:ln>
+      </a:lnStyleLst>
+      <a:effectStyleLst>
+        <a:effectStyle>
+          <a:effectLst/>
+        </a:effectStyle>
+        <a:effectStyle>
+          <a:effectLst/>
+        </a:effectStyle>
+        <a:effectStyle>
+          <a:effectLst>
+            <a:outerShdw blurRad="57150" dist="19050" dir="5400000" algn="ctr" rotWithShape="0">
+              <a:srgbClr val="000000">
+                <a:alpha val="63000"/>
+              </a:srgbClr>
+            </a:outerShdw>
+          </a:effectLst>
+        </a:effectStyle>
+      </a:effectStyleLst>
+      <a:bgFillStyleLst>
+        <a:solidFill>
+          <a:schemeClr val="phClr"/>
+        </a:solidFill>
+        <a:solidFill>
+          <a:schemeClr val="phClr">
+            <a:tint val="95000"/>
+            <a:satMod val="170000"/>
+          </a:schemeClr>
+        </a:solidFill>
+        <a:gradFill rotWithShape="1">
+          <a:gsLst>
+            <a:gs pos="0">
+              <a:schemeClr val="phClr">
+                <a:tint val="93000"/>
+                <a:satMod val="150000"/>
+                <a:shade val="98000"/>
+                <a:lumMod val="102000"/>
+              </a:schemeClr>
+            </a:gs>
+            <a:gs pos="50000">
+              <a:schemeClr val="phClr">
+                <a:tint val="98000"/>
+                <a:satMod val="130000"/>
+                <a:shade val="90000"/>
+                <a:lumMod val="103000"/>
+              </a:schemeClr>
+            </a:gs>
+            <a:gs pos="100000">
+              <a:schemeClr val="phClr">
+                <a:shade val="63000"/>
+                <a:satMod val="120000"/>
+              </a:schemeClr>
+            </a:gs>
+          </a:gsLst>
+          <a:lin ang="5400000" scaled="0"/>
+        </a:gradFill>
+      </a:bgFillStyleLst>
+    </a:fmtScheme>
+  </a:themeElements>
+  <a:objectDefaults/>
+  <a:extraClrSchemeLst/>
+  <a:extLst>
+    <a:ext uri="{05A4C25C-085E-4340-85A3-A5531E510DB2}">
+      <thm15:themeFamily xmlns:thm15="http://schemas.microsoft.com/office/thememl/2012/main" name="Office Theme" id="{62F939B6-93AF-4DB8-9C6B-D6C7DFDC589F}" vid="{4A3C46E8-61CC-4603-A589-7422A47A8E4A}"/>
+    </a:ext>
+  </a:extLst>
+</a:theme>
 </file>